--- a/Student enrollment.pptx
+++ b/Student enrollment.pptx
@@ -5,23 +5,24 @@
     <p:sldMasterId id="2147483648" r:id="rId4"/>
   </p:sldMasterIdLst>
   <p:notesMasterIdLst>
-    <p:notesMasterId r:id="rId16"/>
+    <p:notesMasterId r:id="rId17"/>
   </p:notesMasterIdLst>
   <p:handoutMasterIdLst>
-    <p:handoutMasterId r:id="rId17"/>
+    <p:handoutMasterId r:id="rId18"/>
   </p:handoutMasterIdLst>
   <p:sldIdLst>
     <p:sldId id="256" r:id="rId5"/>
     <p:sldId id="264" r:id="rId6"/>
-    <p:sldId id="257" r:id="rId7"/>
-    <p:sldId id="258" r:id="rId8"/>
-    <p:sldId id="286" r:id="rId9"/>
-    <p:sldId id="299" r:id="rId10"/>
-    <p:sldId id="272" r:id="rId11"/>
-    <p:sldId id="298" r:id="rId12"/>
-    <p:sldId id="262" r:id="rId13"/>
-    <p:sldId id="297" r:id="rId14"/>
-    <p:sldId id="271" r:id="rId15"/>
+    <p:sldId id="300" r:id="rId7"/>
+    <p:sldId id="257" r:id="rId8"/>
+    <p:sldId id="258" r:id="rId9"/>
+    <p:sldId id="286" r:id="rId10"/>
+    <p:sldId id="299" r:id="rId11"/>
+    <p:sldId id="272" r:id="rId12"/>
+    <p:sldId id="298" r:id="rId13"/>
+    <p:sldId id="262" r:id="rId14"/>
+    <p:sldId id="297" r:id="rId15"/>
+    <p:sldId id="271" r:id="rId16"/>
   </p:sldIdLst>
   <p:sldSz cx="12192000" cy="6858000"/>
   <p:notesSz cx="6858000" cy="9144000"/>
@@ -9551,47 +9552,6 @@
           </a:p>
         </p:txBody>
       </p:sp>
-      <p:sp>
-        <p:nvSpPr>
-          <p:cNvPr id="4" name="TextBox 3">
-            <a:extLst>
-              <a:ext uri="{FF2B5EF4-FFF2-40B4-BE49-F238E27FC236}">
-                <a16:creationId xmlns:a16="http://schemas.microsoft.com/office/drawing/2014/main" id="{97987383-2650-2412-277E-0FBD94891EEE}"/>
-              </a:ext>
-            </a:extLst>
-          </p:cNvPr>
-          <p:cNvSpPr txBox="1"/>
-          <p:nvPr/>
-        </p:nvSpPr>
-        <p:spPr>
-          <a:xfrm>
-            <a:off x="7501813" y="5622357"/>
-            <a:ext cx="6214186" cy="646331"/>
-          </a:xfrm>
-          <a:prstGeom prst="rect">
-            <a:avLst/>
-          </a:prstGeom>
-          <a:noFill/>
-        </p:spPr>
-        <p:txBody>
-          <a:bodyPr wrap="square">
-            <a:spAutoFit/>
-          </a:bodyPr>
-          <a:lstStyle/>
-          <a:p>
-            <a:r>
-              <a:rPr lang="en-US" dirty="0">
-                <a:hlinkClick r:id="rId2"/>
-              </a:rPr>
-              <a:t>http://studentenroll.infinityfreeapp.com/</a:t>
-            </a:r>
-            <a:endParaRPr lang="en-US" dirty="0"/>
-          </a:p>
-          <a:p>
-            <a:endParaRPr lang="en-US" dirty="0"/>
-          </a:p>
-        </p:txBody>
-      </p:sp>
     </p:spTree>
     <p:extLst>
       <p:ext uri="{BB962C8B-B14F-4D97-AF65-F5344CB8AC3E}">
@@ -9624,142 +9584,10 @@
       </p:grpSpPr>
       <p:sp>
         <p:nvSpPr>
-          <p:cNvPr id="2" name="Title 1">
-            <a:extLst>
-              <a:ext uri="{FF2B5EF4-FFF2-40B4-BE49-F238E27FC236}">
-                <a16:creationId xmlns:a16="http://schemas.microsoft.com/office/drawing/2014/main" id="{2E89614B-35B4-26EB-232E-6D73F4AFD160}"/>
-              </a:ext>
-            </a:extLst>
-          </p:cNvPr>
-          <p:cNvSpPr>
-            <a:spLocks noGrp="1"/>
-          </p:cNvSpPr>
-          <p:nvPr>
-            <p:ph type="title"/>
-          </p:nvPr>
-        </p:nvSpPr>
-        <p:spPr>
-          <a:xfrm>
-            <a:off x="838200" y="794333"/>
-            <a:ext cx="10515600" cy="1325563"/>
-          </a:xfrm>
-        </p:spPr>
-        <p:txBody>
-          <a:bodyPr/>
-          <a:lstStyle/>
-          <a:p>
-            <a:r>
-              <a:rPr lang="en-US" sz="3200" b="1" dirty="0"/>
-              <a:t>Conclusion</a:t>
-            </a:r>
-            <a:br>
-              <a:rPr lang="en-US" sz="2800" dirty="0"/>
-            </a:br>
-            <a:endParaRPr lang="en-US" dirty="0"/>
-          </a:p>
-        </p:txBody>
-      </p:sp>
-      <p:sp>
-        <p:nvSpPr>
-          <p:cNvPr id="4" name="Date Placeholder 3">
-            <a:extLst>
-              <a:ext uri="{FF2B5EF4-FFF2-40B4-BE49-F238E27FC236}">
-                <a16:creationId xmlns:a16="http://schemas.microsoft.com/office/drawing/2014/main" id="{1A5E4137-B507-D19F-6580-4B2CFFD67252}"/>
-              </a:ext>
-            </a:extLst>
-          </p:cNvPr>
-          <p:cNvSpPr>
-            <a:spLocks noGrp="1"/>
-          </p:cNvSpPr>
-          <p:nvPr>
-            <p:ph type="dt" sz="half" idx="10"/>
-          </p:nvPr>
-        </p:nvSpPr>
-        <p:spPr/>
-        <p:txBody>
-          <a:bodyPr/>
-          <a:lstStyle/>
-          <a:p>
-            <a:r>
-              <a:rPr lang="en-US" dirty="0"/>
-              <a:t>2023</a:t>
-            </a:r>
-          </a:p>
-        </p:txBody>
-      </p:sp>
-      <p:sp>
-        <p:nvSpPr>
-          <p:cNvPr id="5" name="Footer Placeholder 4">
-            <a:extLst>
-              <a:ext uri="{FF2B5EF4-FFF2-40B4-BE49-F238E27FC236}">
-                <a16:creationId xmlns:a16="http://schemas.microsoft.com/office/drawing/2014/main" id="{D4EEB13D-9593-3AA0-57A9-E432BCCADECF}"/>
-              </a:ext>
-            </a:extLst>
-          </p:cNvPr>
-          <p:cNvSpPr>
-            <a:spLocks noGrp="1"/>
-          </p:cNvSpPr>
-          <p:nvPr>
-            <p:ph type="ftr" sz="quarter" idx="11"/>
-          </p:nvPr>
-        </p:nvSpPr>
-        <p:spPr/>
-        <p:txBody>
-          <a:bodyPr/>
-          <a:lstStyle/>
-          <a:p>
-            <a:r>
-              <a:rPr lang="en-US" sz="900" b="1" dirty="0">
-                <a:effectLst>
-                  <a:outerShdw blurRad="50800" dist="38100" dir="2700000" algn="tl" rotWithShape="0">
-                    <a:prstClr val="black">
-                      <a:alpha val="40000"/>
-                    </a:prstClr>
-                  </a:outerShdw>
-                </a:effectLst>
-              </a:rPr>
-              <a:t>student enrollment database project </a:t>
-            </a:r>
-            <a:endParaRPr lang="en-US" dirty="0"/>
-          </a:p>
-        </p:txBody>
-      </p:sp>
-      <p:sp>
-        <p:nvSpPr>
-          <p:cNvPr id="6" name="Slide Number Placeholder 5">
-            <a:extLst>
-              <a:ext uri="{FF2B5EF4-FFF2-40B4-BE49-F238E27FC236}">
-                <a16:creationId xmlns:a16="http://schemas.microsoft.com/office/drawing/2014/main" id="{80811A36-65FA-AD28-C1FA-500A8ABD2D8C}"/>
-              </a:ext>
-            </a:extLst>
-          </p:cNvPr>
-          <p:cNvSpPr>
-            <a:spLocks noGrp="1"/>
-          </p:cNvSpPr>
-          <p:nvPr>
-            <p:ph type="sldNum" sz="quarter" idx="12"/>
-          </p:nvPr>
-        </p:nvSpPr>
-        <p:spPr/>
-        <p:txBody>
-          <a:bodyPr/>
-          <a:lstStyle/>
-          <a:p>
-            <a:fld id="{A49DFD55-3C28-40EF-9E31-A92D2E4017FF}" type="slidenum">
-              <a:rPr lang="en-US" smtClean="0"/>
-              <a:pPr/>
-              <a:t>10</a:t>
-            </a:fld>
-            <a:endParaRPr lang="en-US" dirty="0"/>
-          </a:p>
-        </p:txBody>
-      </p:sp>
-      <p:sp>
-        <p:nvSpPr>
-          <p:cNvPr id="8" name="TextBox 7">
-            <a:extLst>
-              <a:ext uri="{FF2B5EF4-FFF2-40B4-BE49-F238E27FC236}">
-                <a16:creationId xmlns:a16="http://schemas.microsoft.com/office/drawing/2014/main" id="{A51B2990-3579-AB4C-BDC6-FEF3039DC1DE}"/>
+          <p:cNvPr id="9" name="TextBox 8">
+            <a:extLst>
+              <a:ext uri="{FF2B5EF4-FFF2-40B4-BE49-F238E27FC236}">
+                <a16:creationId xmlns:a16="http://schemas.microsoft.com/office/drawing/2014/main" id="{229AF346-13DF-BCD6-E580-AD34FB1C8A5E}"/>
               </a:ext>
             </a:extLst>
           </p:cNvPr>
@@ -9768,8 +9596,8 @@
         </p:nvSpPr>
         <p:spPr>
           <a:xfrm>
-            <a:off x="940836" y="1991353"/>
-            <a:ext cx="10515600" cy="2246769"/>
+            <a:off x="5873245" y="257376"/>
+            <a:ext cx="6097554" cy="707886"/>
           </a:xfrm>
           <a:prstGeom prst="rect">
             <a:avLst/>
@@ -9782,10 +9610,298 @@
           </a:bodyPr>
           <a:lstStyle/>
           <a:p>
-            <a:pPr algn="just"/>
-            <a:r>
-              <a:rPr lang="en-US" sz="2800" dirty="0"/>
-              <a:t>So, the scenario expected in our website is an existing user (ex, affairs officer) signs into the website which allows him to Add, Modify, Display, and Delete students’ data. In addition to that, the admin can display his own profile and edit his own data smoothly and in an easy manner.</a:t>
+            <a:r>
+              <a:rPr lang="en-US" sz="4000" b="1" dirty="0">
+                <a:solidFill>
+                  <a:schemeClr val="bg1"/>
+                </a:solidFill>
+                <a:latin typeface="+mj-lt"/>
+              </a:rPr>
+              <a:t>Server Hosting</a:t>
+            </a:r>
+          </a:p>
+        </p:txBody>
+      </p:sp>
+      <p:grpSp>
+        <p:nvGrpSpPr>
+          <p:cNvPr id="7" name="Group 6">
+            <a:extLst>
+              <a:ext uri="{FF2B5EF4-FFF2-40B4-BE49-F238E27FC236}">
+                <a16:creationId xmlns:a16="http://schemas.microsoft.com/office/drawing/2014/main" id="{4CC4F60D-718D-EF5B-DAFC-58F8A6A7F517}"/>
+              </a:ext>
+            </a:extLst>
+          </p:cNvPr>
+          <p:cNvGrpSpPr/>
+          <p:nvPr/>
+        </p:nvGrpSpPr>
+        <p:grpSpPr>
+          <a:xfrm>
+            <a:off x="8496010" y="1121066"/>
+            <a:ext cx="3474789" cy="954107"/>
+            <a:chOff x="3893629" y="2853640"/>
+            <a:chExt cx="4404742" cy="1150720"/>
+          </a:xfrm>
+        </p:grpSpPr>
+        <p:pic>
+          <p:nvPicPr>
+            <p:cNvPr id="5" name="Picture 4">
+              <a:extLst>
+                <a:ext uri="{FF2B5EF4-FFF2-40B4-BE49-F238E27FC236}">
+                  <a16:creationId xmlns:a16="http://schemas.microsoft.com/office/drawing/2014/main" id="{82BAB87F-D110-0D51-EC07-0A3E71076A4C}"/>
+                </a:ext>
+              </a:extLst>
+            </p:cNvPr>
+            <p:cNvPicPr>
+              <a:picLocks noChangeAspect="1"/>
+            </p:cNvPicPr>
+            <p:nvPr/>
+          </p:nvPicPr>
+          <p:blipFill>
+            <a:blip r:embed="rId2"/>
+            <a:stretch>
+              <a:fillRect/>
+            </a:stretch>
+          </p:blipFill>
+          <p:spPr>
+            <a:xfrm>
+              <a:off x="3893629" y="2853640"/>
+              <a:ext cx="4404742" cy="1150720"/>
+            </a:xfrm>
+            <a:prstGeom prst="rect">
+              <a:avLst/>
+            </a:prstGeom>
+            <a:solidFill>
+              <a:srgbClr val="FFFFFF">
+                <a:shade val="85000"/>
+              </a:srgbClr>
+            </a:solidFill>
+            <a:ln w="190500" cap="rnd">
+              <a:solidFill>
+                <a:srgbClr val="FFFFFF"/>
+              </a:solidFill>
+            </a:ln>
+            <a:effectLst>
+              <a:outerShdw blurRad="50000" algn="tl" rotWithShape="0">
+                <a:srgbClr val="000000">
+                  <a:alpha val="41000"/>
+                </a:srgbClr>
+              </a:outerShdw>
+            </a:effectLst>
+            <a:scene3d>
+              <a:camera prst="orthographicFront"/>
+              <a:lightRig rig="twoPt" dir="t">
+                <a:rot lat="0" lon="0" rev="7800000"/>
+              </a:lightRig>
+            </a:scene3d>
+            <a:sp3d contourW="6350">
+              <a:bevelT w="50800" h="16510"/>
+              <a:contourClr>
+                <a:srgbClr val="C0C0C0"/>
+              </a:contourClr>
+            </a:sp3d>
+          </p:spPr>
+        </p:pic>
+        <p:sp>
+          <p:nvSpPr>
+            <p:cNvPr id="6" name="Rectangle 5">
+              <a:extLst>
+                <a:ext uri="{FF2B5EF4-FFF2-40B4-BE49-F238E27FC236}">
+                  <a16:creationId xmlns:a16="http://schemas.microsoft.com/office/drawing/2014/main" id="{CC122A22-3C18-A177-CF74-9968F6FBE75D}"/>
+                </a:ext>
+              </a:extLst>
+            </p:cNvPr>
+            <p:cNvSpPr/>
+            <p:nvPr/>
+          </p:nvSpPr>
+          <p:spPr>
+            <a:xfrm>
+              <a:off x="5243804" y="2901820"/>
+              <a:ext cx="3013788" cy="261258"/>
+            </a:xfrm>
+            <a:prstGeom prst="rect">
+              <a:avLst/>
+            </a:prstGeom>
+            <a:solidFill>
+              <a:schemeClr val="bg1"/>
+            </a:solidFill>
+            <a:ln>
+              <a:solidFill>
+                <a:schemeClr val="bg1"/>
+              </a:solidFill>
+            </a:ln>
+          </p:spPr>
+          <p:style>
+            <a:lnRef idx="2">
+              <a:schemeClr val="accent1">
+                <a:shade val="50000"/>
+              </a:schemeClr>
+            </a:lnRef>
+            <a:fillRef idx="1">
+              <a:schemeClr val="accent1"/>
+            </a:fillRef>
+            <a:effectRef idx="0">
+              <a:schemeClr val="accent1"/>
+            </a:effectRef>
+            <a:fontRef idx="minor">
+              <a:schemeClr val="lt1"/>
+            </a:fontRef>
+          </p:style>
+          <p:txBody>
+            <a:bodyPr rtlCol="0" anchor="ctr"/>
+            <a:lstStyle/>
+            <a:p>
+              <a:pPr algn="ctr"/>
+              <a:endParaRPr lang="en-US"/>
+            </a:p>
+          </p:txBody>
+        </p:sp>
+      </p:grpSp>
+      <p:sp>
+        <p:nvSpPr>
+          <p:cNvPr id="8" name="TextBox 7">
+            <a:extLst>
+              <a:ext uri="{FF2B5EF4-FFF2-40B4-BE49-F238E27FC236}">
+                <a16:creationId xmlns:a16="http://schemas.microsoft.com/office/drawing/2014/main" id="{1A585282-7ACF-79F3-9CE5-4DFB9C2DD12B}"/>
+              </a:ext>
+            </a:extLst>
+          </p:cNvPr>
+          <p:cNvSpPr txBox="1"/>
+          <p:nvPr/>
+        </p:nvSpPr>
+        <p:spPr>
+          <a:xfrm>
+            <a:off x="5873245" y="2228416"/>
+            <a:ext cx="6097554" cy="954107"/>
+          </a:xfrm>
+          <a:prstGeom prst="rect">
+            <a:avLst/>
+          </a:prstGeom>
+          <a:noFill/>
+        </p:spPr>
+        <p:txBody>
+          <a:bodyPr wrap="square">
+            <a:spAutoFit/>
+          </a:bodyPr>
+          <a:lstStyle/>
+          <a:p>
+            <a:r>
+              <a:rPr lang="en-US" sz="2800" b="1" dirty="0">
+                <a:solidFill>
+                  <a:schemeClr val="bg1"/>
+                </a:solidFill>
+                <a:latin typeface="+mj-lt"/>
+              </a:rPr>
+              <a:t>It’s a completely free website hosting supporting PHP and SQL with no ads.  </a:t>
+            </a:r>
+          </a:p>
+        </p:txBody>
+      </p:sp>
+      <p:sp>
+        <p:nvSpPr>
+          <p:cNvPr id="12" name="TextBox 11">
+            <a:extLst>
+              <a:ext uri="{FF2B5EF4-FFF2-40B4-BE49-F238E27FC236}">
+                <a16:creationId xmlns:a16="http://schemas.microsoft.com/office/drawing/2014/main" id="{3B6AC3AE-EDCB-9C2C-5248-D36CA061E1BB}"/>
+              </a:ext>
+            </a:extLst>
+          </p:cNvPr>
+          <p:cNvSpPr txBox="1"/>
+          <p:nvPr/>
+        </p:nvSpPr>
+        <p:spPr>
+          <a:xfrm>
+            <a:off x="5991808" y="3675477"/>
+            <a:ext cx="6200192" cy="2308324"/>
+          </a:xfrm>
+          <a:prstGeom prst="rect">
+            <a:avLst/>
+          </a:prstGeom>
+          <a:noFill/>
+        </p:spPr>
+        <p:txBody>
+          <a:bodyPr wrap="square">
+            <a:spAutoFit/>
+          </a:bodyPr>
+          <a:lstStyle/>
+          <a:p>
+            <a:pPr algn="l"/>
+            <a:r>
+              <a:rPr lang="en-US" sz="2400" b="0" i="0" dirty="0" err="1">
+                <a:solidFill>
+                  <a:schemeClr val="bg1"/>
+                </a:solidFill>
+                <a:effectLst/>
+              </a:rPr>
+              <a:t>InfinityFree</a:t>
+            </a:r>
+            <a:r>
+              <a:rPr lang="en-US" sz="2400" b="0" i="0" dirty="0">
+                <a:solidFill>
+                  <a:schemeClr val="bg1"/>
+                </a:solidFill>
+                <a:effectLst/>
+              </a:rPr>
+              <a:t> offers free hosting with the following features:</a:t>
+            </a:r>
+          </a:p>
+          <a:p>
+            <a:pPr algn="l">
+              <a:buFont typeface="Arial" panose="020B0604020202020204" pitchFamily="34" charset="0"/>
+              <a:buChar char="•"/>
+            </a:pPr>
+            <a:r>
+              <a:rPr lang="en-US" sz="2400" b="0" i="0" dirty="0">
+                <a:solidFill>
+                  <a:schemeClr val="bg1"/>
+                </a:solidFill>
+                <a:effectLst/>
+              </a:rPr>
+              <a:t>99.9% uptime</a:t>
+            </a:r>
+          </a:p>
+          <a:p>
+            <a:pPr algn="l">
+              <a:buFont typeface="Arial" panose="020B0604020202020204" pitchFamily="34" charset="0"/>
+              <a:buChar char="•"/>
+            </a:pPr>
+            <a:r>
+              <a:rPr lang="en-US" sz="2400" b="0" i="0" dirty="0">
+                <a:solidFill>
+                  <a:schemeClr val="bg1"/>
+                </a:solidFill>
+                <a:effectLst/>
+              </a:rPr>
+              <a:t>Free subdomain</a:t>
+            </a:r>
+          </a:p>
+          <a:p>
+            <a:pPr algn="l">
+              <a:buFont typeface="Arial" panose="020B0604020202020204" pitchFamily="34" charset="0"/>
+              <a:buChar char="•"/>
+            </a:pPr>
+            <a:r>
+              <a:rPr lang="en-US" sz="2400" b="0" i="0" dirty="0">
+                <a:solidFill>
+                  <a:schemeClr val="bg1"/>
+                </a:solidFill>
+                <a:effectLst/>
+              </a:rPr>
+              <a:t>Free SSL</a:t>
+            </a:r>
+          </a:p>
+          <a:p>
+            <a:pPr algn="l">
+              <a:buFont typeface="Arial" panose="020B0604020202020204" pitchFamily="34" charset="0"/>
+              <a:buChar char="•"/>
+            </a:pPr>
+            <a:r>
+              <a:rPr lang="en-US" sz="2400" b="0" i="0" dirty="0">
+                <a:solidFill>
+                  <a:schemeClr val="bg1"/>
+                </a:solidFill>
+                <a:effectLst/>
+              </a:rPr>
+              <a:t>Unlimited storage</a:t>
             </a:r>
           </a:p>
         </p:txBody>
@@ -9793,7 +9909,7 @@
     </p:spTree>
     <p:extLst>
       <p:ext uri="{BB962C8B-B14F-4D97-AF65-F5344CB8AC3E}">
-        <p14:creationId xmlns:p14="http://schemas.microsoft.com/office/powerpoint/2010/main" val="2736296896"/>
+        <p14:creationId xmlns:p14="http://schemas.microsoft.com/office/powerpoint/2010/main" val="379728094"/>
       </p:ext>
     </p:extLst>
   </p:cSld>
@@ -9825,21 +9941,21 @@
           <p:cNvPr id="2" name="Title 1">
             <a:extLst>
               <a:ext uri="{FF2B5EF4-FFF2-40B4-BE49-F238E27FC236}">
-                <a16:creationId xmlns:a16="http://schemas.microsoft.com/office/drawing/2014/main" id="{8BDF1EDE-5423-435C-B149-87AB1BC22B83}"/>
-              </a:ext>
-            </a:extLst>
-          </p:cNvPr>
-          <p:cNvSpPr>
-            <a:spLocks noGrp="1"/>
-          </p:cNvSpPr>
-          <p:nvPr>
-            <p:ph type="ctrTitle"/>
-          </p:nvPr>
-        </p:nvSpPr>
-        <p:spPr>
-          <a:xfrm>
-            <a:off x="4743060" y="2666632"/>
-            <a:ext cx="5445967" cy="1524735"/>
+                <a16:creationId xmlns:a16="http://schemas.microsoft.com/office/drawing/2014/main" id="{2E89614B-35B4-26EB-232E-6D73F4AFD160}"/>
+              </a:ext>
+            </a:extLst>
+          </p:cNvPr>
+          <p:cNvSpPr>
+            <a:spLocks noGrp="1"/>
+          </p:cNvSpPr>
+          <p:nvPr>
+            <p:ph type="title"/>
+          </p:nvPr>
+        </p:nvSpPr>
+        <p:spPr>
+          <a:xfrm>
+            <a:off x="838200" y="794333"/>
+            <a:ext cx="10515600" cy="1325563"/>
           </a:xfrm>
         </p:spPr>
         <p:txBody>
@@ -9847,9 +9963,13 @@
           <a:lstStyle/>
           <a:p>
             <a:r>
-              <a:rPr lang="en-US" sz="6600" dirty="0"/>
-              <a:t>THANK YOU</a:t>
-            </a:r>
+              <a:rPr lang="en-US" sz="3200" b="1" dirty="0"/>
+              <a:t>Conclusion</a:t>
+            </a:r>
+            <a:br>
+              <a:rPr lang="en-US" sz="2800" dirty="0"/>
+            </a:br>
+            <a:endParaRPr lang="en-US" dirty="0"/>
           </a:p>
         </p:txBody>
       </p:sp>
@@ -9858,7 +9978,7 @@
           <p:cNvPr id="4" name="Date Placeholder 3">
             <a:extLst>
               <a:ext uri="{FF2B5EF4-FFF2-40B4-BE49-F238E27FC236}">
-                <a16:creationId xmlns:a16="http://schemas.microsoft.com/office/drawing/2014/main" id="{A47C7382-18E7-4821-8C61-461D6BBE08FC}"/>
+                <a16:creationId xmlns:a16="http://schemas.microsoft.com/office/drawing/2014/main" id="{1A5E4137-B507-D19F-6580-4B2CFFD67252}"/>
               </a:ext>
             </a:extLst>
           </p:cNvPr>
@@ -9869,12 +9989,7 @@
             <p:ph type="dt" sz="half" idx="10"/>
           </p:nvPr>
         </p:nvSpPr>
-        <p:spPr>
-          <a:xfrm>
-            <a:off x="4267200" y="6356350"/>
-            <a:ext cx="1774371" cy="365125"/>
-          </a:xfrm>
-        </p:spPr>
+        <p:spPr/>
         <p:txBody>
           <a:bodyPr/>
           <a:lstStyle/>
@@ -9891,7 +10006,7 @@
           <p:cNvPr id="5" name="Footer Placeholder 4">
             <a:extLst>
               <a:ext uri="{FF2B5EF4-FFF2-40B4-BE49-F238E27FC236}">
-                <a16:creationId xmlns:a16="http://schemas.microsoft.com/office/drawing/2014/main" id="{3990FA1B-5022-47AB-A0AE-8F5C5797997C}"/>
+                <a16:creationId xmlns:a16="http://schemas.microsoft.com/office/drawing/2014/main" id="{D4EEB13D-9593-3AA0-57A9-E432BCCADECF}"/>
               </a:ext>
             </a:extLst>
           </p:cNvPr>
@@ -9902,12 +10017,7 @@
             <p:ph type="ftr" sz="quarter" idx="11"/>
           </p:nvPr>
         </p:nvSpPr>
-        <p:spPr>
-          <a:xfrm>
-            <a:off x="6479721" y="6356350"/>
-            <a:ext cx="2661557" cy="365125"/>
-          </a:xfrm>
-        </p:spPr>
+        <p:spPr/>
         <p:txBody>
           <a:bodyPr/>
           <a:lstStyle/>
@@ -9933,7 +10043,7 @@
           <p:cNvPr id="6" name="Slide Number Placeholder 5">
             <a:extLst>
               <a:ext uri="{FF2B5EF4-FFF2-40B4-BE49-F238E27FC236}">
-                <a16:creationId xmlns:a16="http://schemas.microsoft.com/office/drawing/2014/main" id="{4C127D99-645F-4FCF-9573-FDFE2A344FA9}"/>
+                <a16:creationId xmlns:a16="http://schemas.microsoft.com/office/drawing/2014/main" id="{80811A36-65FA-AD28-C1FA-500A8ABD2D8C}"/>
               </a:ext>
             </a:extLst>
           </p:cNvPr>
@@ -9944,12 +10054,7 @@
             <p:ph type="sldNum" sz="quarter" idx="12"/>
           </p:nvPr>
         </p:nvSpPr>
-        <p:spPr>
-          <a:xfrm>
-            <a:off x="9579428" y="6356350"/>
-            <a:ext cx="1774371" cy="365125"/>
-          </a:xfrm>
-        </p:spPr>
+        <p:spPr/>
         <p:txBody>
           <a:bodyPr/>
           <a:lstStyle/>
@@ -9958,6 +10063,215 @@
               <a:rPr lang="en-US" smtClean="0"/>
               <a:pPr/>
               <a:t>11</a:t>
+            </a:fld>
+            <a:endParaRPr lang="en-US" dirty="0"/>
+          </a:p>
+        </p:txBody>
+      </p:sp>
+      <p:sp>
+        <p:nvSpPr>
+          <p:cNvPr id="8" name="TextBox 7">
+            <a:extLst>
+              <a:ext uri="{FF2B5EF4-FFF2-40B4-BE49-F238E27FC236}">
+                <a16:creationId xmlns:a16="http://schemas.microsoft.com/office/drawing/2014/main" id="{A51B2990-3579-AB4C-BDC6-FEF3039DC1DE}"/>
+              </a:ext>
+            </a:extLst>
+          </p:cNvPr>
+          <p:cNvSpPr txBox="1"/>
+          <p:nvPr/>
+        </p:nvSpPr>
+        <p:spPr>
+          <a:xfrm>
+            <a:off x="940836" y="1991353"/>
+            <a:ext cx="10515600" cy="2246769"/>
+          </a:xfrm>
+          <a:prstGeom prst="rect">
+            <a:avLst/>
+          </a:prstGeom>
+          <a:noFill/>
+        </p:spPr>
+        <p:txBody>
+          <a:bodyPr wrap="square">
+            <a:spAutoFit/>
+          </a:bodyPr>
+          <a:lstStyle/>
+          <a:p>
+            <a:pPr algn="just"/>
+            <a:r>
+              <a:rPr lang="en-US" sz="2800" dirty="0"/>
+              <a:t>So, the scenario expected in our website is an existing user (ex, affairs officer) signs into the website which allows him to Add, Modify, Display, and Delete students’ data. In addition to that, the admin can display his own profile and edit his own data smoothly and in an easy manner.</a:t>
+            </a:r>
+          </a:p>
+        </p:txBody>
+      </p:sp>
+    </p:spTree>
+    <p:extLst>
+      <p:ext uri="{BB962C8B-B14F-4D97-AF65-F5344CB8AC3E}">
+        <p14:creationId xmlns:p14="http://schemas.microsoft.com/office/powerpoint/2010/main" val="2736296896"/>
+      </p:ext>
+    </p:extLst>
+  </p:cSld>
+  <p:clrMapOvr>
+    <a:masterClrMapping/>
+  </p:clrMapOvr>
+</p:sld>
+</file>
+
+<file path=ppt/slides/slide12.xml><?xml version="1.0" encoding="utf-8"?>
+<p:sld xmlns:a="http://schemas.openxmlformats.org/drawingml/2006/main" xmlns:r="http://schemas.openxmlformats.org/officeDocument/2006/relationships" xmlns:p="http://schemas.openxmlformats.org/presentationml/2006/main">
+  <p:cSld>
+    <p:spTree>
+      <p:nvGrpSpPr>
+        <p:cNvPr id="1" name=""/>
+        <p:cNvGrpSpPr/>
+        <p:nvPr/>
+      </p:nvGrpSpPr>
+      <p:grpSpPr>
+        <a:xfrm>
+          <a:off x="0" y="0"/>
+          <a:ext cx="0" cy="0"/>
+          <a:chOff x="0" y="0"/>
+          <a:chExt cx="0" cy="0"/>
+        </a:xfrm>
+      </p:grpSpPr>
+      <p:sp>
+        <p:nvSpPr>
+          <p:cNvPr id="2" name="Title 1">
+            <a:extLst>
+              <a:ext uri="{FF2B5EF4-FFF2-40B4-BE49-F238E27FC236}">
+                <a16:creationId xmlns:a16="http://schemas.microsoft.com/office/drawing/2014/main" id="{8BDF1EDE-5423-435C-B149-87AB1BC22B83}"/>
+              </a:ext>
+            </a:extLst>
+          </p:cNvPr>
+          <p:cNvSpPr>
+            <a:spLocks noGrp="1"/>
+          </p:cNvSpPr>
+          <p:nvPr>
+            <p:ph type="ctrTitle"/>
+          </p:nvPr>
+        </p:nvSpPr>
+        <p:spPr>
+          <a:xfrm>
+            <a:off x="4743060" y="2666632"/>
+            <a:ext cx="5445967" cy="1524735"/>
+          </a:xfrm>
+        </p:spPr>
+        <p:txBody>
+          <a:bodyPr/>
+          <a:lstStyle/>
+          <a:p>
+            <a:r>
+              <a:rPr lang="en-US" sz="6600" dirty="0"/>
+              <a:t>THANK YOU</a:t>
+            </a:r>
+          </a:p>
+        </p:txBody>
+      </p:sp>
+      <p:sp>
+        <p:nvSpPr>
+          <p:cNvPr id="4" name="Date Placeholder 3">
+            <a:extLst>
+              <a:ext uri="{FF2B5EF4-FFF2-40B4-BE49-F238E27FC236}">
+                <a16:creationId xmlns:a16="http://schemas.microsoft.com/office/drawing/2014/main" id="{A47C7382-18E7-4821-8C61-461D6BBE08FC}"/>
+              </a:ext>
+            </a:extLst>
+          </p:cNvPr>
+          <p:cNvSpPr>
+            <a:spLocks noGrp="1"/>
+          </p:cNvSpPr>
+          <p:nvPr>
+            <p:ph type="dt" sz="half" idx="10"/>
+          </p:nvPr>
+        </p:nvSpPr>
+        <p:spPr>
+          <a:xfrm>
+            <a:off x="4267200" y="6356350"/>
+            <a:ext cx="1774371" cy="365125"/>
+          </a:xfrm>
+        </p:spPr>
+        <p:txBody>
+          <a:bodyPr/>
+          <a:lstStyle/>
+          <a:p>
+            <a:r>
+              <a:rPr lang="en-US" dirty="0"/>
+              <a:t>2023</a:t>
+            </a:r>
+          </a:p>
+        </p:txBody>
+      </p:sp>
+      <p:sp>
+        <p:nvSpPr>
+          <p:cNvPr id="5" name="Footer Placeholder 4">
+            <a:extLst>
+              <a:ext uri="{FF2B5EF4-FFF2-40B4-BE49-F238E27FC236}">
+                <a16:creationId xmlns:a16="http://schemas.microsoft.com/office/drawing/2014/main" id="{3990FA1B-5022-47AB-A0AE-8F5C5797997C}"/>
+              </a:ext>
+            </a:extLst>
+          </p:cNvPr>
+          <p:cNvSpPr>
+            <a:spLocks noGrp="1"/>
+          </p:cNvSpPr>
+          <p:nvPr>
+            <p:ph type="ftr" sz="quarter" idx="11"/>
+          </p:nvPr>
+        </p:nvSpPr>
+        <p:spPr>
+          <a:xfrm>
+            <a:off x="6479721" y="6356350"/>
+            <a:ext cx="2661557" cy="365125"/>
+          </a:xfrm>
+        </p:spPr>
+        <p:txBody>
+          <a:bodyPr/>
+          <a:lstStyle/>
+          <a:p>
+            <a:r>
+              <a:rPr lang="en-US" sz="900" b="1" dirty="0">
+                <a:effectLst>
+                  <a:outerShdw blurRad="50800" dist="38100" dir="2700000" algn="tl" rotWithShape="0">
+                    <a:prstClr val="black">
+                      <a:alpha val="40000"/>
+                    </a:prstClr>
+                  </a:outerShdw>
+                </a:effectLst>
+              </a:rPr>
+              <a:t>student enrollment database project </a:t>
+            </a:r>
+            <a:endParaRPr lang="en-US" dirty="0"/>
+          </a:p>
+        </p:txBody>
+      </p:sp>
+      <p:sp>
+        <p:nvSpPr>
+          <p:cNvPr id="6" name="Slide Number Placeholder 5">
+            <a:extLst>
+              <a:ext uri="{FF2B5EF4-FFF2-40B4-BE49-F238E27FC236}">
+                <a16:creationId xmlns:a16="http://schemas.microsoft.com/office/drawing/2014/main" id="{4C127D99-645F-4FCF-9573-FDFE2A344FA9}"/>
+              </a:ext>
+            </a:extLst>
+          </p:cNvPr>
+          <p:cNvSpPr>
+            <a:spLocks noGrp="1"/>
+          </p:cNvSpPr>
+          <p:nvPr>
+            <p:ph type="sldNum" sz="quarter" idx="12"/>
+          </p:nvPr>
+        </p:nvSpPr>
+        <p:spPr>
+          <a:xfrm>
+            <a:off x="9579428" y="6356350"/>
+            <a:ext cx="1774371" cy="365125"/>
+          </a:xfrm>
+        </p:spPr>
+        <p:txBody>
+          <a:bodyPr/>
+          <a:lstStyle/>
+          <a:p>
+            <a:fld id="{A49DFD55-3C28-40EF-9E31-A92D2E4017FF}" type="slidenum">
+              <a:rPr lang="en-US" smtClean="0"/>
+              <a:pPr/>
+              <a:t>12</a:t>
             </a:fld>
             <a:endParaRPr lang="en-US" dirty="0"/>
           </a:p>
@@ -11893,110 +12207,6 @@
       </p:grpSpPr>
       <p:sp>
         <p:nvSpPr>
-          <p:cNvPr id="2" name="Title 1">
-            <a:extLst>
-              <a:ext uri="{FF2B5EF4-FFF2-40B4-BE49-F238E27FC236}">
-                <a16:creationId xmlns:a16="http://schemas.microsoft.com/office/drawing/2014/main" id="{1BEF5859-10C9-4588-9727-B9362E26C29D}"/>
-              </a:ext>
-            </a:extLst>
-          </p:cNvPr>
-          <p:cNvSpPr>
-            <a:spLocks noGrp="1"/>
-          </p:cNvSpPr>
-          <p:nvPr>
-            <p:ph type="title"/>
-          </p:nvPr>
-        </p:nvSpPr>
-        <p:spPr>
-          <a:xfrm>
-            <a:off x="1333500" y="759188"/>
-            <a:ext cx="2895600" cy="1325563"/>
-          </a:xfrm>
-        </p:spPr>
-        <p:txBody>
-          <a:bodyPr>
-            <a:normAutofit/>
-          </a:bodyPr>
-          <a:lstStyle/>
-          <a:p>
-            <a:r>
-              <a:rPr lang="en-US" sz="3600" b="1" dirty="0"/>
-              <a:t>Content</a:t>
-            </a:r>
-          </a:p>
-        </p:txBody>
-      </p:sp>
-      <p:sp>
-        <p:nvSpPr>
-          <p:cNvPr id="3" name="Content Placeholder 2">
-            <a:extLst>
-              <a:ext uri="{FF2B5EF4-FFF2-40B4-BE49-F238E27FC236}">
-                <a16:creationId xmlns:a16="http://schemas.microsoft.com/office/drawing/2014/main" id="{5671D7E5-EF66-4BCD-8DAA-E9061157F0BE}"/>
-              </a:ext>
-            </a:extLst>
-          </p:cNvPr>
-          <p:cNvSpPr>
-            <a:spLocks noGrp="1"/>
-          </p:cNvSpPr>
-          <p:nvPr>
-            <p:ph idx="1"/>
-          </p:nvPr>
-        </p:nvSpPr>
-        <p:spPr>
-          <a:xfrm>
-            <a:off x="1333500" y="2421946"/>
-            <a:ext cx="3089210" cy="3512323"/>
-          </a:xfrm>
-        </p:spPr>
-        <p:txBody>
-          <a:bodyPr>
-            <a:normAutofit fontScale="92500" lnSpcReduction="10000"/>
-          </a:bodyPr>
-          <a:lstStyle/>
-          <a:p>
-            <a:r>
-              <a:rPr lang="en-US" sz="2400" dirty="0"/>
-              <a:t>Project’s Idea</a:t>
-            </a:r>
-          </a:p>
-          <a:p>
-            <a:r>
-              <a:rPr lang="en-US" sz="2400" dirty="0"/>
-              <a:t>Database Structure</a:t>
-            </a:r>
-          </a:p>
-          <a:p>
-            <a:r>
-              <a:rPr lang="en-US" sz="2400" dirty="0"/>
-              <a:t>Tables’ Structure</a:t>
-            </a:r>
-          </a:p>
-          <a:p>
-            <a:r>
-              <a:rPr lang="en-US" sz="2400" dirty="0" err="1"/>
-              <a:t>Xampp</a:t>
-            </a:r>
-            <a:r>
-              <a:rPr lang="en-US" sz="2400" dirty="0"/>
-              <a:t> Server</a:t>
-            </a:r>
-          </a:p>
-          <a:p>
-            <a:r>
-              <a:rPr lang="en-US" sz="2400" dirty="0"/>
-              <a:t>Server Hosting</a:t>
-            </a:r>
-          </a:p>
-          <a:p>
-            <a:r>
-              <a:rPr lang="en-US" sz="2400" dirty="0"/>
-              <a:t>Conclusion</a:t>
-            </a:r>
-          </a:p>
-        </p:txBody>
-      </p:sp>
-      <p:sp>
-        <p:nvSpPr>
           <p:cNvPr id="5" name="Date Placeholder 4">
             <a:extLst>
               <a:ext uri="{FF2B5EF4-FFF2-40B4-BE49-F238E27FC236}">
@@ -12105,10 +12315,181 @@
           </a:p>
         </p:txBody>
       </p:sp>
+      <p:sp>
+        <p:nvSpPr>
+          <p:cNvPr id="11" name="TextBox 10">
+            <a:extLst>
+              <a:ext uri="{FF2B5EF4-FFF2-40B4-BE49-F238E27FC236}">
+                <a16:creationId xmlns:a16="http://schemas.microsoft.com/office/drawing/2014/main" id="{9D1116F8-302D-0B5B-13C3-CA6A56604BCA}"/>
+              </a:ext>
+            </a:extLst>
+          </p:cNvPr>
+          <p:cNvSpPr txBox="1"/>
+          <p:nvPr/>
+        </p:nvSpPr>
+        <p:spPr>
+          <a:xfrm>
+            <a:off x="270586" y="1608449"/>
+            <a:ext cx="6867330" cy="646331"/>
+          </a:xfrm>
+          <a:prstGeom prst="rect">
+            <a:avLst/>
+          </a:prstGeom>
+          <a:noFill/>
+        </p:spPr>
+        <p:txBody>
+          <a:bodyPr wrap="square">
+            <a:spAutoFit/>
+          </a:bodyPr>
+          <a:lstStyle/>
+          <a:p>
+            <a:r>
+              <a:rPr lang="en-US" dirty="0">
+                <a:hlinkClick r:id="rId2"/>
+              </a:rPr>
+              <a:t>https://github.com/College-Projects/StudentEnrollmentDatabase</a:t>
+            </a:r>
+            <a:endParaRPr lang="ar-EG" dirty="0"/>
+          </a:p>
+          <a:p>
+            <a:endParaRPr lang="en-US" dirty="0"/>
+          </a:p>
+        </p:txBody>
+      </p:sp>
+      <p:sp>
+        <p:nvSpPr>
+          <p:cNvPr id="12" name="TextBox 11">
+            <a:extLst>
+              <a:ext uri="{FF2B5EF4-FFF2-40B4-BE49-F238E27FC236}">
+                <a16:creationId xmlns:a16="http://schemas.microsoft.com/office/drawing/2014/main" id="{26C638E6-7264-1D96-F528-82678E3D5233}"/>
+              </a:ext>
+            </a:extLst>
+          </p:cNvPr>
+          <p:cNvSpPr txBox="1"/>
+          <p:nvPr/>
+        </p:nvSpPr>
+        <p:spPr>
+          <a:xfrm>
+            <a:off x="270588" y="3177737"/>
+            <a:ext cx="6214186" cy="646331"/>
+          </a:xfrm>
+          <a:prstGeom prst="rect">
+            <a:avLst/>
+          </a:prstGeom>
+          <a:noFill/>
+        </p:spPr>
+        <p:txBody>
+          <a:bodyPr wrap="square">
+            <a:spAutoFit/>
+          </a:bodyPr>
+          <a:lstStyle/>
+          <a:p>
+            <a:r>
+              <a:rPr lang="en-US" dirty="0">
+                <a:hlinkClick r:id="rId3"/>
+              </a:rPr>
+              <a:t>http://studentenroll.infinityfreeapp.com/</a:t>
+            </a:r>
+            <a:endParaRPr lang="en-US" dirty="0"/>
+          </a:p>
+          <a:p>
+            <a:endParaRPr lang="en-US" dirty="0"/>
+          </a:p>
+        </p:txBody>
+      </p:sp>
+      <p:sp>
+        <p:nvSpPr>
+          <p:cNvPr id="13" name="Title 1">
+            <a:extLst>
+              <a:ext uri="{FF2B5EF4-FFF2-40B4-BE49-F238E27FC236}">
+                <a16:creationId xmlns:a16="http://schemas.microsoft.com/office/drawing/2014/main" id="{739BB2BB-B646-EA9C-8F74-EBDC841A8233}"/>
+              </a:ext>
+            </a:extLst>
+          </p:cNvPr>
+          <p:cNvSpPr>
+            <a:spLocks noGrp="1"/>
+          </p:cNvSpPr>
+          <p:nvPr>
+            <p:ph type="title"/>
+          </p:nvPr>
+        </p:nvSpPr>
+        <p:spPr>
+          <a:xfrm>
+            <a:off x="270587" y="357592"/>
+            <a:ext cx="6484775" cy="1204912"/>
+          </a:xfrm>
+        </p:spPr>
+        <p:txBody>
+          <a:bodyPr>
+            <a:normAutofit/>
+          </a:bodyPr>
+          <a:lstStyle/>
+          <a:p>
+            <a:r>
+              <a:rPr lang="en-US" sz="3600" b="1" dirty="0"/>
+              <a:t>GitHub repository link</a:t>
+            </a:r>
+          </a:p>
+        </p:txBody>
+      </p:sp>
+      <p:sp>
+        <p:nvSpPr>
+          <p:cNvPr id="14" name="Title 1">
+            <a:extLst>
+              <a:ext uri="{FF2B5EF4-FFF2-40B4-BE49-F238E27FC236}">
+                <a16:creationId xmlns:a16="http://schemas.microsoft.com/office/drawing/2014/main" id="{902A9A0B-19B5-5E5B-7965-48DB35E76597}"/>
+              </a:ext>
+            </a:extLst>
+          </p:cNvPr>
+          <p:cNvSpPr txBox="1">
+            <a:spLocks/>
+          </p:cNvSpPr>
+          <p:nvPr/>
+        </p:nvSpPr>
+        <p:spPr>
+          <a:xfrm>
+            <a:off x="270586" y="1978154"/>
+            <a:ext cx="6484775" cy="1204912"/>
+          </a:xfrm>
+          <a:prstGeom prst="rect">
+            <a:avLst/>
+          </a:prstGeom>
+        </p:spPr>
+        <p:txBody>
+          <a:bodyPr vert="horz" lIns="91440" tIns="45720" rIns="91440" bIns="45720" rtlCol="0" anchor="b">
+            <a:normAutofit/>
+          </a:bodyPr>
+          <a:lstStyle>
+            <a:lvl1pPr algn="l" defTabSz="914400" rtl="0" eaLnBrk="1" latinLnBrk="0" hangingPunct="1">
+              <a:lnSpc>
+                <a:spcPct val="90000"/>
+              </a:lnSpc>
+              <a:spcBef>
+                <a:spcPct val="0"/>
+              </a:spcBef>
+              <a:buNone/>
+              <a:defRPr sz="2800" kern="1200" cap="all" spc="150" baseline="0">
+                <a:solidFill>
+                  <a:schemeClr val="bg1"/>
+                </a:solidFill>
+                <a:latin typeface="+mj-lt"/>
+                <a:ea typeface="+mj-ea"/>
+                <a:cs typeface="+mj-cs"/>
+              </a:defRPr>
+            </a:lvl1pPr>
+          </a:lstStyle>
+          <a:p>
+            <a:r>
+              <a:rPr lang="en-US" sz="3600" b="1" dirty="0"/>
+              <a:t>Online server link</a:t>
+            </a:r>
+          </a:p>
+        </p:txBody>
+      </p:sp>
     </p:spTree>
     <p:extLst>
       <p:ext uri="{BB962C8B-B14F-4D97-AF65-F5344CB8AC3E}">
-        <p14:creationId xmlns:p14="http://schemas.microsoft.com/office/powerpoint/2010/main" val="1713219598"/>
+        <p14:creationId xmlns:p14="http://schemas.microsoft.com/office/powerpoint/2010/main" val="2686789769"/>
       </p:ext>
     </p:extLst>
   </p:cSld>
@@ -12140,7 +12521,7 @@
           <p:cNvPr id="2" name="Title 1">
             <a:extLst>
               <a:ext uri="{FF2B5EF4-FFF2-40B4-BE49-F238E27FC236}">
-                <a16:creationId xmlns:a16="http://schemas.microsoft.com/office/drawing/2014/main" id="{0A32731C-311B-46F7-A865-6C3AF6B09A47}"/>
+                <a16:creationId xmlns:a16="http://schemas.microsoft.com/office/drawing/2014/main" id="{1BEF5859-10C9-4588-9727-B9362E26C29D}"/>
               </a:ext>
             </a:extLst>
           </p:cNvPr>
@@ -12153,8 +12534,8 @@
         </p:nvSpPr>
         <p:spPr>
           <a:xfrm>
-            <a:off x="1362075" y="1671639"/>
-            <a:ext cx="5111750" cy="1204912"/>
+            <a:off x="1333500" y="759188"/>
+            <a:ext cx="2895600" cy="1325563"/>
           </a:xfrm>
         </p:spPr>
         <p:txBody>
@@ -12165,54 +12546,86 @@
           <a:p>
             <a:r>
               <a:rPr lang="en-US" sz="3600" b="1" dirty="0"/>
-              <a:t>Project’s Idea</a:t>
-            </a:r>
-          </a:p>
-        </p:txBody>
-      </p:sp>
-      <p:sp>
-        <p:nvSpPr>
-          <p:cNvPr id="3" name="Text Placeholder 2">
-            <a:extLst>
-              <a:ext uri="{FF2B5EF4-FFF2-40B4-BE49-F238E27FC236}">
-                <a16:creationId xmlns:a16="http://schemas.microsoft.com/office/drawing/2014/main" id="{9D5232F9-FD00-464A-9F17-619C91AEF8F3}"/>
-              </a:ext>
-            </a:extLst>
-          </p:cNvPr>
-          <p:cNvSpPr>
-            <a:spLocks noGrp="1"/>
-          </p:cNvSpPr>
-          <p:nvPr>
-            <p:ph type="body" idx="1"/>
-          </p:nvPr>
-        </p:nvSpPr>
-        <p:spPr>
-          <a:xfrm>
-            <a:off x="1362075" y="3660773"/>
-            <a:ext cx="5719860" cy="2114876"/>
+              <a:t>Content</a:t>
+            </a:r>
+          </a:p>
+        </p:txBody>
+      </p:sp>
+      <p:sp>
+        <p:nvSpPr>
+          <p:cNvPr id="3" name="Content Placeholder 2">
+            <a:extLst>
+              <a:ext uri="{FF2B5EF4-FFF2-40B4-BE49-F238E27FC236}">
+                <a16:creationId xmlns:a16="http://schemas.microsoft.com/office/drawing/2014/main" id="{5671D7E5-EF66-4BCD-8DAA-E9061157F0BE}"/>
+              </a:ext>
+            </a:extLst>
+          </p:cNvPr>
+          <p:cNvSpPr>
+            <a:spLocks noGrp="1"/>
+          </p:cNvSpPr>
+          <p:nvPr>
+            <p:ph idx="1"/>
+          </p:nvPr>
+        </p:nvSpPr>
+        <p:spPr>
+          <a:xfrm>
+            <a:off x="1333500" y="2421946"/>
+            <a:ext cx="3089210" cy="3512323"/>
           </a:xfrm>
         </p:spPr>
         <p:txBody>
           <a:bodyPr>
-            <a:normAutofit fontScale="85000" lnSpcReduction="20000"/>
+            <a:normAutofit fontScale="92500" lnSpcReduction="10000"/>
           </a:bodyPr>
           <a:lstStyle/>
           <a:p>
-            <a:pPr algn="just"/>
-            <a:r>
-              <a:rPr lang="en-US" sz="3200" dirty="0"/>
-              <a:t>It’s a user-friendly website that allows the user to add, display, update, and delete students’ data from the database. Our website is executed using HTML, PHP, CSS, and SQL languages. </a:t>
-            </a:r>
-            <a:endParaRPr lang="en-US" sz="1800" i="1" dirty="0"/>
-          </a:p>
-        </p:txBody>
-      </p:sp>
-      <p:sp>
-        <p:nvSpPr>
-          <p:cNvPr id="4" name="Date Placeholder 3">
-            <a:extLst>
-              <a:ext uri="{FF2B5EF4-FFF2-40B4-BE49-F238E27FC236}">
-                <a16:creationId xmlns:a16="http://schemas.microsoft.com/office/drawing/2014/main" id="{70E12647-CCB2-45E2-A9CB-A868F490497E}"/>
+            <a:r>
+              <a:rPr lang="en-US" sz="2400" dirty="0"/>
+              <a:t>Project’s Idea</a:t>
+            </a:r>
+          </a:p>
+          <a:p>
+            <a:r>
+              <a:rPr lang="en-US" sz="2400" dirty="0"/>
+              <a:t>Database Structure</a:t>
+            </a:r>
+          </a:p>
+          <a:p>
+            <a:r>
+              <a:rPr lang="en-US" sz="2400" dirty="0"/>
+              <a:t>Tables’ Structure</a:t>
+            </a:r>
+          </a:p>
+          <a:p>
+            <a:r>
+              <a:rPr lang="en-US" sz="2400" dirty="0" err="1"/>
+              <a:t>Xampp</a:t>
+            </a:r>
+            <a:r>
+              <a:rPr lang="en-US" sz="2400" dirty="0"/>
+              <a:t> Server</a:t>
+            </a:r>
+          </a:p>
+          <a:p>
+            <a:r>
+              <a:rPr lang="en-US" sz="2400" dirty="0"/>
+              <a:t>Server Hosting</a:t>
+            </a:r>
+          </a:p>
+          <a:p>
+            <a:r>
+              <a:rPr lang="en-US" sz="2400" dirty="0"/>
+              <a:t>Conclusion</a:t>
+            </a:r>
+          </a:p>
+        </p:txBody>
+      </p:sp>
+      <p:sp>
+        <p:nvSpPr>
+          <p:cNvPr id="5" name="Date Placeholder 4">
+            <a:extLst>
+              <a:ext uri="{FF2B5EF4-FFF2-40B4-BE49-F238E27FC236}">
+                <a16:creationId xmlns:a16="http://schemas.microsoft.com/office/drawing/2014/main" id="{9AB5BAF8-EA80-4AD4-8D83-5960C299573A}"/>
               </a:ext>
             </a:extLst>
           </p:cNvPr>
@@ -12225,8 +12638,8 @@
         </p:nvSpPr>
         <p:spPr>
           <a:xfrm>
-            <a:off x="838200" y="6356350"/>
-            <a:ext cx="1219200" cy="365125"/>
+            <a:off x="1333500" y="6356350"/>
+            <a:ext cx="985157" cy="365125"/>
           </a:xfrm>
         </p:spPr>
         <p:txBody>
@@ -12242,10 +12655,10 @@
       </p:sp>
       <p:sp>
         <p:nvSpPr>
-          <p:cNvPr id="5" name="Footer Placeholder 4">
-            <a:extLst>
-              <a:ext uri="{FF2B5EF4-FFF2-40B4-BE49-F238E27FC236}">
-                <a16:creationId xmlns:a16="http://schemas.microsoft.com/office/drawing/2014/main" id="{8D51ED20-04D4-4894-B0C2-9C541A61A734}"/>
+          <p:cNvPr id="4" name="Footer Placeholder 3">
+            <a:extLst>
+              <a:ext uri="{FF2B5EF4-FFF2-40B4-BE49-F238E27FC236}">
+                <a16:creationId xmlns:a16="http://schemas.microsoft.com/office/drawing/2014/main" id="{36C19884-873C-4D13-BE6D-318CF07B0D12}"/>
               </a:ext>
             </a:extLst>
           </p:cNvPr>
@@ -12258,8 +12671,8 @@
         </p:nvSpPr>
         <p:spPr>
           <a:xfrm>
-            <a:off x="2463800" y="6356350"/>
-            <a:ext cx="3479800" cy="365125"/>
+            <a:off x="2669886" y="6356349"/>
+            <a:ext cx="2482842" cy="365125"/>
           </a:xfrm>
         </p:spPr>
         <p:txBody>
@@ -12287,7 +12700,7 @@
           <p:cNvPr id="6" name="Slide Number Placeholder 5">
             <a:extLst>
               <a:ext uri="{FF2B5EF4-FFF2-40B4-BE49-F238E27FC236}">
-                <a16:creationId xmlns:a16="http://schemas.microsoft.com/office/drawing/2014/main" id="{7BC1787E-7110-4989-B0B8-DD4E0ACC09DF}"/>
+                <a16:creationId xmlns:a16="http://schemas.microsoft.com/office/drawing/2014/main" id="{7C991F00-87A7-45A6-8029-B097FA72498D}"/>
               </a:ext>
             </a:extLst>
           </p:cNvPr>
@@ -12300,8 +12713,8 @@
         </p:nvSpPr>
         <p:spPr>
           <a:xfrm>
-            <a:off x="8610600" y="6356350"/>
-            <a:ext cx="2743200" cy="365125"/>
+            <a:off x="5536305" y="6356350"/>
+            <a:ext cx="987552" cy="365125"/>
           </a:xfrm>
         </p:spPr>
         <p:txBody>
@@ -12320,7 +12733,7 @@
     </p:spTree>
     <p:extLst>
       <p:ext uri="{BB962C8B-B14F-4D97-AF65-F5344CB8AC3E}">
-        <p14:creationId xmlns:p14="http://schemas.microsoft.com/office/powerpoint/2010/main" val="3571516367"/>
+        <p14:creationId xmlns:p14="http://schemas.microsoft.com/office/powerpoint/2010/main" val="1713219598"/>
       </p:ext>
     </p:extLst>
   </p:cSld>
@@ -12349,10 +12762,82 @@
       </p:grpSpPr>
       <p:sp>
         <p:nvSpPr>
+          <p:cNvPr id="2" name="Title 1">
+            <a:extLst>
+              <a:ext uri="{FF2B5EF4-FFF2-40B4-BE49-F238E27FC236}">
+                <a16:creationId xmlns:a16="http://schemas.microsoft.com/office/drawing/2014/main" id="{0A32731C-311B-46F7-A865-6C3AF6B09A47}"/>
+              </a:ext>
+            </a:extLst>
+          </p:cNvPr>
+          <p:cNvSpPr>
+            <a:spLocks noGrp="1"/>
+          </p:cNvSpPr>
+          <p:nvPr>
+            <p:ph type="title"/>
+          </p:nvPr>
+        </p:nvSpPr>
+        <p:spPr>
+          <a:xfrm>
+            <a:off x="1362075" y="1671639"/>
+            <a:ext cx="5111750" cy="1204912"/>
+          </a:xfrm>
+        </p:spPr>
+        <p:txBody>
+          <a:bodyPr>
+            <a:normAutofit/>
+          </a:bodyPr>
+          <a:lstStyle/>
+          <a:p>
+            <a:r>
+              <a:rPr lang="en-US" sz="3600" b="1" dirty="0"/>
+              <a:t>Project’s Idea</a:t>
+            </a:r>
+          </a:p>
+        </p:txBody>
+      </p:sp>
+      <p:sp>
+        <p:nvSpPr>
+          <p:cNvPr id="3" name="Text Placeholder 2">
+            <a:extLst>
+              <a:ext uri="{FF2B5EF4-FFF2-40B4-BE49-F238E27FC236}">
+                <a16:creationId xmlns:a16="http://schemas.microsoft.com/office/drawing/2014/main" id="{9D5232F9-FD00-464A-9F17-619C91AEF8F3}"/>
+              </a:ext>
+            </a:extLst>
+          </p:cNvPr>
+          <p:cNvSpPr>
+            <a:spLocks noGrp="1"/>
+          </p:cNvSpPr>
+          <p:nvPr>
+            <p:ph type="body" idx="1"/>
+          </p:nvPr>
+        </p:nvSpPr>
+        <p:spPr>
+          <a:xfrm>
+            <a:off x="1362075" y="3660773"/>
+            <a:ext cx="5719860" cy="2114876"/>
+          </a:xfrm>
+        </p:spPr>
+        <p:txBody>
+          <a:bodyPr>
+            <a:normAutofit fontScale="85000" lnSpcReduction="20000"/>
+          </a:bodyPr>
+          <a:lstStyle/>
+          <a:p>
+            <a:pPr algn="just"/>
+            <a:r>
+              <a:rPr lang="en-US" sz="3200" dirty="0"/>
+              <a:t>It’s a user-friendly website that allows the user to add, display, update, and delete students’ data from the database. Our website is executed using HTML, PHP, CSS, and SQL languages. </a:t>
+            </a:r>
+            <a:endParaRPr lang="en-US" sz="1800" i="1" dirty="0"/>
+          </a:p>
+        </p:txBody>
+      </p:sp>
+      <p:sp>
+        <p:nvSpPr>
           <p:cNvPr id="4" name="Date Placeholder 3">
             <a:extLst>
               <a:ext uri="{FF2B5EF4-FFF2-40B4-BE49-F238E27FC236}">
-                <a16:creationId xmlns:a16="http://schemas.microsoft.com/office/drawing/2014/main" id="{BC38C71B-950A-F9F2-E36C-35136BD32219}"/>
+                <a16:creationId xmlns:a16="http://schemas.microsoft.com/office/drawing/2014/main" id="{70E12647-CCB2-45E2-A9CB-A868F490497E}"/>
               </a:ext>
             </a:extLst>
           </p:cNvPr>
@@ -12363,7 +12848,12 @@
             <p:ph type="dt" sz="half" idx="10"/>
           </p:nvPr>
         </p:nvSpPr>
-        <p:spPr/>
+        <p:spPr>
+          <a:xfrm>
+            <a:off x="838200" y="6356350"/>
+            <a:ext cx="1219200" cy="365125"/>
+          </a:xfrm>
+        </p:spPr>
         <p:txBody>
           <a:bodyPr/>
           <a:lstStyle/>
@@ -12380,7 +12870,7 @@
           <p:cNvPr id="5" name="Footer Placeholder 4">
             <a:extLst>
               <a:ext uri="{FF2B5EF4-FFF2-40B4-BE49-F238E27FC236}">
-                <a16:creationId xmlns:a16="http://schemas.microsoft.com/office/drawing/2014/main" id="{871BB7E4-3694-F496-F079-5053ADB3F2A5}"/>
+                <a16:creationId xmlns:a16="http://schemas.microsoft.com/office/drawing/2014/main" id="{8D51ED20-04D4-4894-B0C2-9C541A61A734}"/>
               </a:ext>
             </a:extLst>
           </p:cNvPr>
@@ -12391,7 +12881,12 @@
             <p:ph type="ftr" sz="quarter" idx="11"/>
           </p:nvPr>
         </p:nvSpPr>
-        <p:spPr/>
+        <p:spPr>
+          <a:xfrm>
+            <a:off x="2463800" y="6356350"/>
+            <a:ext cx="3479800" cy="365125"/>
+          </a:xfrm>
+        </p:spPr>
         <p:txBody>
           <a:bodyPr/>
           <a:lstStyle/>
@@ -12417,7 +12912,7 @@
           <p:cNvPr id="6" name="Slide Number Placeholder 5">
             <a:extLst>
               <a:ext uri="{FF2B5EF4-FFF2-40B4-BE49-F238E27FC236}">
-                <a16:creationId xmlns:a16="http://schemas.microsoft.com/office/drawing/2014/main" id="{F1D4EA7D-AB10-B948-1545-40E9EE58DC45}"/>
+                <a16:creationId xmlns:a16="http://schemas.microsoft.com/office/drawing/2014/main" id="{7BC1787E-7110-4989-B0B8-DD4E0ACC09DF}"/>
               </a:ext>
             </a:extLst>
           </p:cNvPr>
@@ -12428,7 +12923,12 @@
             <p:ph type="sldNum" sz="quarter" idx="12"/>
           </p:nvPr>
         </p:nvSpPr>
-        <p:spPr/>
+        <p:spPr>
+          <a:xfrm>
+            <a:off x="8610600" y="6356350"/>
+            <a:ext cx="2743200" cy="365125"/>
+          </a:xfrm>
+        </p:spPr>
         <p:txBody>
           <a:bodyPr/>
           <a:lstStyle/>
@@ -12442,115 +12942,10 @@
           </a:p>
         </p:txBody>
       </p:sp>
-      <p:sp>
-        <p:nvSpPr>
-          <p:cNvPr id="9" name="Title 1">
-            <a:extLst>
-              <a:ext uri="{FF2B5EF4-FFF2-40B4-BE49-F238E27FC236}">
-                <a16:creationId xmlns:a16="http://schemas.microsoft.com/office/drawing/2014/main" id="{80D604A8-FD5B-6DE2-C19A-F14D7F71BAD7}"/>
-              </a:ext>
-            </a:extLst>
-          </p:cNvPr>
-          <p:cNvSpPr>
-            <a:spLocks noGrp="1"/>
-          </p:cNvSpPr>
-          <p:nvPr>
-            <p:ph type="title"/>
-          </p:nvPr>
-        </p:nvSpPr>
-        <p:spPr>
-          <a:xfrm>
-            <a:off x="488108" y="337342"/>
-            <a:ext cx="5607892" cy="1204912"/>
-          </a:xfrm>
-        </p:spPr>
-        <p:txBody>
-          <a:bodyPr>
-            <a:normAutofit/>
-          </a:bodyPr>
-          <a:lstStyle/>
-          <a:p>
-            <a:r>
-              <a:rPr lang="en-US" sz="3600" b="1" dirty="0"/>
-              <a:t>Database structure</a:t>
-            </a:r>
-          </a:p>
-        </p:txBody>
-      </p:sp>
-      <p:sp>
-        <p:nvSpPr>
-          <p:cNvPr id="10" name="Text Placeholder 2">
-            <a:extLst>
-              <a:ext uri="{FF2B5EF4-FFF2-40B4-BE49-F238E27FC236}">
-                <a16:creationId xmlns:a16="http://schemas.microsoft.com/office/drawing/2014/main" id="{E0D9013D-E6B0-7DFE-5825-0372603CE8B3}"/>
-              </a:ext>
-            </a:extLst>
-          </p:cNvPr>
-          <p:cNvSpPr>
-            <a:spLocks noGrp="1"/>
-          </p:cNvSpPr>
-          <p:nvPr>
-            <p:ph type="body" idx="1"/>
-          </p:nvPr>
-        </p:nvSpPr>
-        <p:spPr>
-          <a:xfrm>
-            <a:off x="838200" y="2193656"/>
-            <a:ext cx="8369754" cy="2508973"/>
-          </a:xfrm>
-        </p:spPr>
-        <p:txBody>
-          <a:bodyPr>
-            <a:normAutofit/>
-          </a:bodyPr>
-          <a:lstStyle/>
-          <a:p>
-            <a:pPr algn="just"/>
-            <a:r>
-              <a:rPr lang="en-US" sz="2000" dirty="0"/>
-              <a:t>Our database consists of 2 tables:</a:t>
-            </a:r>
-          </a:p>
-          <a:p>
-            <a:pPr marL="457200" indent="-457200" algn="just">
-              <a:buFontTx/>
-              <a:buChar char="-"/>
-            </a:pPr>
-            <a:r>
-              <a:rPr lang="en-US" sz="2000" b="1" u="sng" dirty="0"/>
-              <a:t>User Table</a:t>
-            </a:r>
-          </a:p>
-          <a:p>
-            <a:pPr algn="just"/>
-            <a:r>
-              <a:rPr lang="en-US" sz="2000" dirty="0"/>
-              <a:t>     for an admin who controls the students’ data (ex: affairs officer).</a:t>
-            </a:r>
-          </a:p>
-          <a:p>
-            <a:pPr marL="457200" indent="-457200" algn="just">
-              <a:buFontTx/>
-              <a:buChar char="-"/>
-            </a:pPr>
-            <a:r>
-              <a:rPr lang="en-US" sz="2000" b="1" u="sng" dirty="0"/>
-              <a:t>Registration table</a:t>
-            </a:r>
-          </a:p>
-          <a:p>
-            <a:pPr algn="just"/>
-            <a:r>
-              <a:rPr lang="en-US" sz="2000" dirty="0"/>
-              <a:t>     that contains all students’ data.</a:t>
-            </a:r>
-          </a:p>
-        </p:txBody>
-      </p:sp>
     </p:spTree>
     <p:extLst>
       <p:ext uri="{BB962C8B-B14F-4D97-AF65-F5344CB8AC3E}">
-        <p14:creationId xmlns:p14="http://schemas.microsoft.com/office/powerpoint/2010/main" val="340643557"/>
+        <p14:creationId xmlns:p14="http://schemas.microsoft.com/office/powerpoint/2010/main" val="3571516367"/>
       </p:ext>
     </p:extLst>
   </p:cSld>
@@ -12579,45 +12974,10 @@
       </p:grpSpPr>
       <p:sp>
         <p:nvSpPr>
-          <p:cNvPr id="2" name="Title 1">
-            <a:extLst>
-              <a:ext uri="{FF2B5EF4-FFF2-40B4-BE49-F238E27FC236}">
-                <a16:creationId xmlns:a16="http://schemas.microsoft.com/office/drawing/2014/main" id="{777BB734-3CC2-CA7A-5BC2-98068722D7DA}"/>
-              </a:ext>
-            </a:extLst>
-          </p:cNvPr>
-          <p:cNvSpPr>
-            <a:spLocks noGrp="1"/>
-          </p:cNvSpPr>
-          <p:nvPr>
-            <p:ph type="title"/>
-          </p:nvPr>
-        </p:nvSpPr>
-        <p:spPr>
-          <a:xfrm>
-            <a:off x="298581" y="136524"/>
-            <a:ext cx="8201805" cy="1042859"/>
-          </a:xfrm>
-        </p:spPr>
-        <p:txBody>
-          <a:bodyPr>
-            <a:normAutofit/>
-          </a:bodyPr>
-          <a:lstStyle/>
-          <a:p>
-            <a:r>
-              <a:rPr lang="en-US" b="1" dirty="0"/>
-              <a:t>Tables’ structure</a:t>
-            </a:r>
-          </a:p>
-        </p:txBody>
-      </p:sp>
-      <p:sp>
-        <p:nvSpPr>
           <p:cNvPr id="4" name="Date Placeholder 3">
             <a:extLst>
               <a:ext uri="{FF2B5EF4-FFF2-40B4-BE49-F238E27FC236}">
-                <a16:creationId xmlns:a16="http://schemas.microsoft.com/office/drawing/2014/main" id="{40AB1F87-CAC1-D5EB-F01E-AC39DDF62646}"/>
+                <a16:creationId xmlns:a16="http://schemas.microsoft.com/office/drawing/2014/main" id="{BC38C71B-950A-F9F2-E36C-35136BD32219}"/>
               </a:ext>
             </a:extLst>
           </p:cNvPr>
@@ -12645,7 +13005,7 @@
           <p:cNvPr id="5" name="Footer Placeholder 4">
             <a:extLst>
               <a:ext uri="{FF2B5EF4-FFF2-40B4-BE49-F238E27FC236}">
-                <a16:creationId xmlns:a16="http://schemas.microsoft.com/office/drawing/2014/main" id="{81E621EF-21D3-5EE2-95D4-6FC1110C465A}"/>
+                <a16:creationId xmlns:a16="http://schemas.microsoft.com/office/drawing/2014/main" id="{871BB7E4-3694-F496-F079-5053ADB3F2A5}"/>
               </a:ext>
             </a:extLst>
           </p:cNvPr>
@@ -12682,7 +13042,7 @@
           <p:cNvPr id="6" name="Slide Number Placeholder 5">
             <a:extLst>
               <a:ext uri="{FF2B5EF4-FFF2-40B4-BE49-F238E27FC236}">
-                <a16:creationId xmlns:a16="http://schemas.microsoft.com/office/drawing/2014/main" id="{2487A3F9-4EB3-C308-1C97-969F90942B0A}"/>
+                <a16:creationId xmlns:a16="http://schemas.microsoft.com/office/drawing/2014/main" id="{F1D4EA7D-AB10-B948-1545-40E9EE58DC45}"/>
               </a:ext>
             </a:extLst>
           </p:cNvPr>
@@ -12709,92 +13069,113 @@
       </p:sp>
       <p:sp>
         <p:nvSpPr>
-          <p:cNvPr id="8" name="Title 1">
-            <a:extLst>
-              <a:ext uri="{FF2B5EF4-FFF2-40B4-BE49-F238E27FC236}">
-                <a16:creationId xmlns:a16="http://schemas.microsoft.com/office/drawing/2014/main" id="{2D4D0A1D-BDA4-5332-D58C-C316FF6C648B}"/>
-              </a:ext>
-            </a:extLst>
-          </p:cNvPr>
-          <p:cNvSpPr txBox="1">
-            <a:spLocks/>
-          </p:cNvSpPr>
-          <p:nvPr/>
-        </p:nvSpPr>
-        <p:spPr>
-          <a:xfrm>
-            <a:off x="838200" y="852544"/>
-            <a:ext cx="8201805" cy="1042859"/>
-          </a:xfrm>
-          <a:prstGeom prst="rect">
-            <a:avLst/>
-          </a:prstGeom>
-        </p:spPr>
-        <p:txBody>
-          <a:bodyPr vert="horz" lIns="91440" tIns="45720" rIns="91440" bIns="45720" rtlCol="0" anchor="b">
+          <p:cNvPr id="9" name="Title 1">
+            <a:extLst>
+              <a:ext uri="{FF2B5EF4-FFF2-40B4-BE49-F238E27FC236}">
+                <a16:creationId xmlns:a16="http://schemas.microsoft.com/office/drawing/2014/main" id="{80D604A8-FD5B-6DE2-C19A-F14D7F71BAD7}"/>
+              </a:ext>
+            </a:extLst>
+          </p:cNvPr>
+          <p:cNvSpPr>
+            <a:spLocks noGrp="1"/>
+          </p:cNvSpPr>
+          <p:nvPr>
+            <p:ph type="title"/>
+          </p:nvPr>
+        </p:nvSpPr>
+        <p:spPr>
+          <a:xfrm>
+            <a:off x="488108" y="337342"/>
+            <a:ext cx="5607892" cy="1204912"/>
+          </a:xfrm>
+        </p:spPr>
+        <p:txBody>
+          <a:bodyPr>
             <a:normAutofit/>
           </a:bodyPr>
-          <a:lstStyle>
-            <a:lvl1pPr algn="l" defTabSz="914400" rtl="0" eaLnBrk="1" latinLnBrk="0" hangingPunct="1">
-              <a:lnSpc>
-                <a:spcPct val="90000"/>
-              </a:lnSpc>
-              <a:spcBef>
-                <a:spcPct val="0"/>
-              </a:spcBef>
-              <a:buNone/>
-              <a:defRPr lang="en-US" sz="2800" kern="1200" cap="all" spc="150" baseline="0" dirty="0">
-                <a:solidFill>
-                  <a:schemeClr val="tx1"/>
-                </a:solidFill>
-                <a:latin typeface="+mj-lt"/>
-                <a:ea typeface="+mj-ea"/>
-                <a:cs typeface="+mj-cs"/>
-              </a:defRPr>
-            </a:lvl1pPr>
-          </a:lstStyle>
-          <a:p>
+          <a:lstStyle/>
+          <a:p>
+            <a:r>
+              <a:rPr lang="en-US" sz="3600" b="1" dirty="0"/>
+              <a:t>Database structure</a:t>
+            </a:r>
+          </a:p>
+        </p:txBody>
+      </p:sp>
+      <p:sp>
+        <p:nvSpPr>
+          <p:cNvPr id="10" name="Text Placeholder 2">
+            <a:extLst>
+              <a:ext uri="{FF2B5EF4-FFF2-40B4-BE49-F238E27FC236}">
+                <a16:creationId xmlns:a16="http://schemas.microsoft.com/office/drawing/2014/main" id="{E0D9013D-E6B0-7DFE-5825-0372603CE8B3}"/>
+              </a:ext>
+            </a:extLst>
+          </p:cNvPr>
+          <p:cNvSpPr>
+            <a:spLocks noGrp="1"/>
+          </p:cNvSpPr>
+          <p:nvPr>
+            <p:ph type="body" idx="1"/>
+          </p:nvPr>
+        </p:nvSpPr>
+        <p:spPr>
+          <a:xfrm>
+            <a:off x="838200" y="2193656"/>
+            <a:ext cx="8369754" cy="2508973"/>
+          </a:xfrm>
+        </p:spPr>
+        <p:txBody>
+          <a:bodyPr>
+            <a:normAutofit/>
+          </a:bodyPr>
+          <a:lstStyle/>
+          <a:p>
+            <a:pPr algn="just"/>
+            <a:r>
+              <a:rPr lang="en-US" sz="2000" dirty="0"/>
+              <a:t>Our database consists of 2 tables:</a:t>
+            </a:r>
+          </a:p>
+          <a:p>
+            <a:pPr marL="457200" indent="-457200" algn="just">
+              <a:buFontTx/>
+              <a:buChar char="-"/>
+            </a:pPr>
             <a:r>
               <a:rPr lang="en-US" sz="2000" b="1" u="sng" dirty="0"/>
               <a:t>User Table</a:t>
             </a:r>
           </a:p>
-        </p:txBody>
-      </p:sp>
-      <p:pic>
-        <p:nvPicPr>
-          <p:cNvPr id="3" name="Picture 2">
-            <a:extLst>
-              <a:ext uri="{FF2B5EF4-FFF2-40B4-BE49-F238E27FC236}">
-                <a16:creationId xmlns:a16="http://schemas.microsoft.com/office/drawing/2014/main" id="{DEBF06E7-1D06-7462-E5C9-22915DA02B1D}"/>
-              </a:ext>
-            </a:extLst>
-          </p:cNvPr>
-          <p:cNvPicPr>
-            <a:picLocks noChangeAspect="1"/>
-          </p:cNvPicPr>
-          <p:nvPr/>
-        </p:nvPicPr>
-        <p:blipFill>
-          <a:blip r:embed="rId2"/>
-          <a:stretch>
-            <a:fillRect/>
-          </a:stretch>
-        </p:blipFill>
-        <p:spPr>
-          <a:xfrm>
-            <a:off x="567514" y="2051590"/>
-            <a:ext cx="11056972" cy="2312882"/>
-          </a:xfrm>
-          <a:prstGeom prst="rect">
-            <a:avLst/>
-          </a:prstGeom>
-        </p:spPr>
-      </p:pic>
+          <a:p>
+            <a:pPr algn="just"/>
+            <a:r>
+              <a:rPr lang="en-US" sz="2000" dirty="0"/>
+              <a:t>     for an admin who controls the students’ data (ex: affairs officer).</a:t>
+            </a:r>
+          </a:p>
+          <a:p>
+            <a:pPr marL="457200" indent="-457200" algn="just">
+              <a:buFontTx/>
+              <a:buChar char="-"/>
+            </a:pPr>
+            <a:r>
+              <a:rPr lang="en-US" sz="2000" b="1" u="sng" dirty="0"/>
+              <a:t>Registration table</a:t>
+            </a:r>
+          </a:p>
+          <a:p>
+            <a:pPr algn="just"/>
+            <a:r>
+              <a:rPr lang="en-US" sz="2000" dirty="0"/>
+              <a:t>     that contains all students’ data.</a:t>
+            </a:r>
+          </a:p>
+        </p:txBody>
+      </p:sp>
     </p:spTree>
     <p:extLst>
       <p:ext uri="{BB962C8B-B14F-4D97-AF65-F5344CB8AC3E}">
-        <p14:creationId xmlns:p14="http://schemas.microsoft.com/office/powerpoint/2010/main" val="3219149008"/>
+        <p14:creationId xmlns:p14="http://schemas.microsoft.com/office/powerpoint/2010/main" val="340643557"/>
       </p:ext>
     </p:extLst>
   </p:cSld>
@@ -12839,7 +13220,7 @@
         </p:nvSpPr>
         <p:spPr>
           <a:xfrm>
-            <a:off x="345234" y="136525"/>
+            <a:off x="298581" y="136524"/>
             <a:ext cx="8201805" cy="1042859"/>
           </a:xfrm>
         </p:spPr>
@@ -12951,12 +13332,66 @@
           </a:p>
         </p:txBody>
       </p:sp>
+      <p:sp>
+        <p:nvSpPr>
+          <p:cNvPr id="8" name="Title 1">
+            <a:extLst>
+              <a:ext uri="{FF2B5EF4-FFF2-40B4-BE49-F238E27FC236}">
+                <a16:creationId xmlns:a16="http://schemas.microsoft.com/office/drawing/2014/main" id="{2D4D0A1D-BDA4-5332-D58C-C316FF6C648B}"/>
+              </a:ext>
+            </a:extLst>
+          </p:cNvPr>
+          <p:cNvSpPr txBox="1">
+            <a:spLocks/>
+          </p:cNvSpPr>
+          <p:nvPr/>
+        </p:nvSpPr>
+        <p:spPr>
+          <a:xfrm>
+            <a:off x="838200" y="852544"/>
+            <a:ext cx="8201805" cy="1042859"/>
+          </a:xfrm>
+          <a:prstGeom prst="rect">
+            <a:avLst/>
+          </a:prstGeom>
+        </p:spPr>
+        <p:txBody>
+          <a:bodyPr vert="horz" lIns="91440" tIns="45720" rIns="91440" bIns="45720" rtlCol="0" anchor="b">
+            <a:normAutofit/>
+          </a:bodyPr>
+          <a:lstStyle>
+            <a:lvl1pPr algn="l" defTabSz="914400" rtl="0" eaLnBrk="1" latinLnBrk="0" hangingPunct="1">
+              <a:lnSpc>
+                <a:spcPct val="90000"/>
+              </a:lnSpc>
+              <a:spcBef>
+                <a:spcPct val="0"/>
+              </a:spcBef>
+              <a:buNone/>
+              <a:defRPr lang="en-US" sz="2800" kern="1200" cap="all" spc="150" baseline="0" dirty="0">
+                <a:solidFill>
+                  <a:schemeClr val="tx1"/>
+                </a:solidFill>
+                <a:latin typeface="+mj-lt"/>
+                <a:ea typeface="+mj-ea"/>
+                <a:cs typeface="+mj-cs"/>
+              </a:defRPr>
+            </a:lvl1pPr>
+          </a:lstStyle>
+          <a:p>
+            <a:r>
+              <a:rPr lang="en-US" sz="2000" b="1" u="sng" dirty="0"/>
+              <a:t>User Table</a:t>
+            </a:r>
+          </a:p>
+        </p:txBody>
+      </p:sp>
       <p:pic>
         <p:nvPicPr>
-          <p:cNvPr id="7" name="Picture 6">
-            <a:extLst>
-              <a:ext uri="{FF2B5EF4-FFF2-40B4-BE49-F238E27FC236}">
-                <a16:creationId xmlns:a16="http://schemas.microsoft.com/office/drawing/2014/main" id="{A95B7484-391F-1334-D646-CA31B871B3D4}"/>
+          <p:cNvPr id="3" name="Picture 2">
+            <a:extLst>
+              <a:ext uri="{FF2B5EF4-FFF2-40B4-BE49-F238E27FC236}">
+                <a16:creationId xmlns:a16="http://schemas.microsoft.com/office/drawing/2014/main" id="{DEBF06E7-1D06-7462-E5C9-22915DA02B1D}"/>
               </a:ext>
             </a:extLst>
           </p:cNvPr>
@@ -12973,72 +13408,18 @@
         </p:blipFill>
         <p:spPr>
           <a:xfrm>
-            <a:off x="283029" y="2004953"/>
-            <a:ext cx="11625942" cy="4351397"/>
+            <a:off x="567514" y="2051590"/>
+            <a:ext cx="11056972" cy="2312882"/>
           </a:xfrm>
           <a:prstGeom prst="rect">
             <a:avLst/>
           </a:prstGeom>
         </p:spPr>
       </p:pic>
-      <p:sp>
-        <p:nvSpPr>
-          <p:cNvPr id="8" name="Title 1">
-            <a:extLst>
-              <a:ext uri="{FF2B5EF4-FFF2-40B4-BE49-F238E27FC236}">
-                <a16:creationId xmlns:a16="http://schemas.microsoft.com/office/drawing/2014/main" id="{2D4D0A1D-BDA4-5332-D58C-C316FF6C648B}"/>
-              </a:ext>
-            </a:extLst>
-          </p:cNvPr>
-          <p:cNvSpPr txBox="1">
-            <a:spLocks/>
-          </p:cNvSpPr>
-          <p:nvPr/>
-        </p:nvSpPr>
-        <p:spPr>
-          <a:xfrm>
-            <a:off x="838200" y="657954"/>
-            <a:ext cx="8201805" cy="1042859"/>
-          </a:xfrm>
-          <a:prstGeom prst="rect">
-            <a:avLst/>
-          </a:prstGeom>
-        </p:spPr>
-        <p:txBody>
-          <a:bodyPr vert="horz" lIns="91440" tIns="45720" rIns="91440" bIns="45720" rtlCol="0" anchor="b">
-            <a:normAutofit/>
-          </a:bodyPr>
-          <a:lstStyle>
-            <a:lvl1pPr algn="l" defTabSz="914400" rtl="0" eaLnBrk="1" latinLnBrk="0" hangingPunct="1">
-              <a:lnSpc>
-                <a:spcPct val="90000"/>
-              </a:lnSpc>
-              <a:spcBef>
-                <a:spcPct val="0"/>
-              </a:spcBef>
-              <a:buNone/>
-              <a:defRPr lang="en-US" sz="2800" kern="1200" cap="all" spc="150" baseline="0" dirty="0">
-                <a:solidFill>
-                  <a:schemeClr val="tx1"/>
-                </a:solidFill>
-                <a:latin typeface="+mj-lt"/>
-                <a:ea typeface="+mj-ea"/>
-                <a:cs typeface="+mj-cs"/>
-              </a:defRPr>
-            </a:lvl1pPr>
-          </a:lstStyle>
-          <a:p>
-            <a:r>
-              <a:rPr lang="en-US" sz="2000" b="1" u="sng" dirty="0"/>
-              <a:t>Registration Table</a:t>
-            </a:r>
-          </a:p>
-        </p:txBody>
-      </p:sp>
     </p:spTree>
     <p:extLst>
       <p:ext uri="{BB962C8B-B14F-4D97-AF65-F5344CB8AC3E}">
-        <p14:creationId xmlns:p14="http://schemas.microsoft.com/office/powerpoint/2010/main" val="4035673786"/>
+        <p14:creationId xmlns:p14="http://schemas.microsoft.com/office/powerpoint/2010/main" val="3219149008"/>
       </p:ext>
     </p:extLst>
   </p:cSld>
@@ -13067,10 +13448,45 @@
       </p:grpSpPr>
       <p:sp>
         <p:nvSpPr>
+          <p:cNvPr id="2" name="Title 1">
+            <a:extLst>
+              <a:ext uri="{FF2B5EF4-FFF2-40B4-BE49-F238E27FC236}">
+                <a16:creationId xmlns:a16="http://schemas.microsoft.com/office/drawing/2014/main" id="{777BB734-3CC2-CA7A-5BC2-98068722D7DA}"/>
+              </a:ext>
+            </a:extLst>
+          </p:cNvPr>
+          <p:cNvSpPr>
+            <a:spLocks noGrp="1"/>
+          </p:cNvSpPr>
+          <p:nvPr>
+            <p:ph type="title"/>
+          </p:nvPr>
+        </p:nvSpPr>
+        <p:spPr>
+          <a:xfrm>
+            <a:off x="345234" y="136525"/>
+            <a:ext cx="8201805" cy="1042859"/>
+          </a:xfrm>
+        </p:spPr>
+        <p:txBody>
+          <a:bodyPr>
+            <a:normAutofit/>
+          </a:bodyPr>
+          <a:lstStyle/>
+          <a:p>
+            <a:r>
+              <a:rPr lang="en-US" b="1" dirty="0"/>
+              <a:t>Tables’ structure</a:t>
+            </a:r>
+          </a:p>
+        </p:txBody>
+      </p:sp>
+      <p:sp>
+        <p:nvSpPr>
           <p:cNvPr id="4" name="Date Placeholder 3">
             <a:extLst>
               <a:ext uri="{FF2B5EF4-FFF2-40B4-BE49-F238E27FC236}">
-                <a16:creationId xmlns:a16="http://schemas.microsoft.com/office/drawing/2014/main" id="{E9746D60-C567-D5C2-E464-8DE46093CCD3}"/>
+                <a16:creationId xmlns:a16="http://schemas.microsoft.com/office/drawing/2014/main" id="{40AB1F87-CAC1-D5EB-F01E-AC39DDF62646}"/>
               </a:ext>
             </a:extLst>
           </p:cNvPr>
@@ -13098,7 +13514,7 @@
           <p:cNvPr id="5" name="Footer Placeholder 4">
             <a:extLst>
               <a:ext uri="{FF2B5EF4-FFF2-40B4-BE49-F238E27FC236}">
-                <a16:creationId xmlns:a16="http://schemas.microsoft.com/office/drawing/2014/main" id="{3C3CC42A-C492-AB18-2C61-B48496458C8B}"/>
+                <a16:creationId xmlns:a16="http://schemas.microsoft.com/office/drawing/2014/main" id="{81E621EF-21D3-5EE2-95D4-6FC1110C465A}"/>
               </a:ext>
             </a:extLst>
           </p:cNvPr>
@@ -13135,7 +13551,7 @@
           <p:cNvPr id="6" name="Slide Number Placeholder 5">
             <a:extLst>
               <a:ext uri="{FF2B5EF4-FFF2-40B4-BE49-F238E27FC236}">
-                <a16:creationId xmlns:a16="http://schemas.microsoft.com/office/drawing/2014/main" id="{95A98FD5-AC9F-2C1B-DCBF-1C979F68B33C}"/>
+                <a16:creationId xmlns:a16="http://schemas.microsoft.com/office/drawing/2014/main" id="{2487A3F9-4EB3-C308-1C97-969F90942B0A}"/>
               </a:ext>
             </a:extLst>
           </p:cNvPr>
@@ -13155,6 +13571,215 @@
               <a:rPr lang="en-US" smtClean="0"/>
               <a:pPr/>
               <a:t>8</a:t>
+            </a:fld>
+            <a:endParaRPr lang="en-US" dirty="0"/>
+          </a:p>
+        </p:txBody>
+      </p:sp>
+      <p:pic>
+        <p:nvPicPr>
+          <p:cNvPr id="7" name="Picture 6">
+            <a:extLst>
+              <a:ext uri="{FF2B5EF4-FFF2-40B4-BE49-F238E27FC236}">
+                <a16:creationId xmlns:a16="http://schemas.microsoft.com/office/drawing/2014/main" id="{A95B7484-391F-1334-D646-CA31B871B3D4}"/>
+              </a:ext>
+            </a:extLst>
+          </p:cNvPr>
+          <p:cNvPicPr>
+            <a:picLocks noChangeAspect="1"/>
+          </p:cNvPicPr>
+          <p:nvPr/>
+        </p:nvPicPr>
+        <p:blipFill>
+          <a:blip r:embed="rId2"/>
+          <a:stretch>
+            <a:fillRect/>
+          </a:stretch>
+        </p:blipFill>
+        <p:spPr>
+          <a:xfrm>
+            <a:off x="283029" y="2004953"/>
+            <a:ext cx="11625942" cy="4351397"/>
+          </a:xfrm>
+          <a:prstGeom prst="rect">
+            <a:avLst/>
+          </a:prstGeom>
+        </p:spPr>
+      </p:pic>
+      <p:sp>
+        <p:nvSpPr>
+          <p:cNvPr id="8" name="Title 1">
+            <a:extLst>
+              <a:ext uri="{FF2B5EF4-FFF2-40B4-BE49-F238E27FC236}">
+                <a16:creationId xmlns:a16="http://schemas.microsoft.com/office/drawing/2014/main" id="{2D4D0A1D-BDA4-5332-D58C-C316FF6C648B}"/>
+              </a:ext>
+            </a:extLst>
+          </p:cNvPr>
+          <p:cNvSpPr txBox="1">
+            <a:spLocks/>
+          </p:cNvSpPr>
+          <p:nvPr/>
+        </p:nvSpPr>
+        <p:spPr>
+          <a:xfrm>
+            <a:off x="838200" y="657954"/>
+            <a:ext cx="8201805" cy="1042859"/>
+          </a:xfrm>
+          <a:prstGeom prst="rect">
+            <a:avLst/>
+          </a:prstGeom>
+        </p:spPr>
+        <p:txBody>
+          <a:bodyPr vert="horz" lIns="91440" tIns="45720" rIns="91440" bIns="45720" rtlCol="0" anchor="b">
+            <a:normAutofit/>
+          </a:bodyPr>
+          <a:lstStyle>
+            <a:lvl1pPr algn="l" defTabSz="914400" rtl="0" eaLnBrk="1" latinLnBrk="0" hangingPunct="1">
+              <a:lnSpc>
+                <a:spcPct val="90000"/>
+              </a:lnSpc>
+              <a:spcBef>
+                <a:spcPct val="0"/>
+              </a:spcBef>
+              <a:buNone/>
+              <a:defRPr lang="en-US" sz="2800" kern="1200" cap="all" spc="150" baseline="0" dirty="0">
+                <a:solidFill>
+                  <a:schemeClr val="tx1"/>
+                </a:solidFill>
+                <a:latin typeface="+mj-lt"/>
+                <a:ea typeface="+mj-ea"/>
+                <a:cs typeface="+mj-cs"/>
+              </a:defRPr>
+            </a:lvl1pPr>
+          </a:lstStyle>
+          <a:p>
+            <a:r>
+              <a:rPr lang="en-US" sz="2000" b="1" u="sng" dirty="0"/>
+              <a:t>Registration Table</a:t>
+            </a:r>
+          </a:p>
+        </p:txBody>
+      </p:sp>
+    </p:spTree>
+    <p:extLst>
+      <p:ext uri="{BB962C8B-B14F-4D97-AF65-F5344CB8AC3E}">
+        <p14:creationId xmlns:p14="http://schemas.microsoft.com/office/powerpoint/2010/main" val="4035673786"/>
+      </p:ext>
+    </p:extLst>
+  </p:cSld>
+  <p:clrMapOvr>
+    <a:masterClrMapping/>
+  </p:clrMapOvr>
+</p:sld>
+</file>
+
+<file path=ppt/slides/slide9.xml><?xml version="1.0" encoding="utf-8"?>
+<p:sld xmlns:a="http://schemas.openxmlformats.org/drawingml/2006/main" xmlns:r="http://schemas.openxmlformats.org/officeDocument/2006/relationships" xmlns:p="http://schemas.openxmlformats.org/presentationml/2006/main">
+  <p:cSld>
+    <p:spTree>
+      <p:nvGrpSpPr>
+        <p:cNvPr id="1" name=""/>
+        <p:cNvGrpSpPr/>
+        <p:nvPr/>
+      </p:nvGrpSpPr>
+      <p:grpSpPr>
+        <a:xfrm>
+          <a:off x="0" y="0"/>
+          <a:ext cx="0" cy="0"/>
+          <a:chOff x="0" y="0"/>
+          <a:chExt cx="0" cy="0"/>
+        </a:xfrm>
+      </p:grpSpPr>
+      <p:sp>
+        <p:nvSpPr>
+          <p:cNvPr id="4" name="Date Placeholder 3">
+            <a:extLst>
+              <a:ext uri="{FF2B5EF4-FFF2-40B4-BE49-F238E27FC236}">
+                <a16:creationId xmlns:a16="http://schemas.microsoft.com/office/drawing/2014/main" id="{E9746D60-C567-D5C2-E464-8DE46093CCD3}"/>
+              </a:ext>
+            </a:extLst>
+          </p:cNvPr>
+          <p:cNvSpPr>
+            <a:spLocks noGrp="1"/>
+          </p:cNvSpPr>
+          <p:nvPr>
+            <p:ph type="dt" sz="half" idx="10"/>
+          </p:nvPr>
+        </p:nvSpPr>
+        <p:spPr/>
+        <p:txBody>
+          <a:bodyPr/>
+          <a:lstStyle/>
+          <a:p>
+            <a:r>
+              <a:rPr lang="en-US" dirty="0"/>
+              <a:t>2023</a:t>
+            </a:r>
+          </a:p>
+        </p:txBody>
+      </p:sp>
+      <p:sp>
+        <p:nvSpPr>
+          <p:cNvPr id="5" name="Footer Placeholder 4">
+            <a:extLst>
+              <a:ext uri="{FF2B5EF4-FFF2-40B4-BE49-F238E27FC236}">
+                <a16:creationId xmlns:a16="http://schemas.microsoft.com/office/drawing/2014/main" id="{3C3CC42A-C492-AB18-2C61-B48496458C8B}"/>
+              </a:ext>
+            </a:extLst>
+          </p:cNvPr>
+          <p:cNvSpPr>
+            <a:spLocks noGrp="1"/>
+          </p:cNvSpPr>
+          <p:nvPr>
+            <p:ph type="ftr" sz="quarter" idx="11"/>
+          </p:nvPr>
+        </p:nvSpPr>
+        <p:spPr/>
+        <p:txBody>
+          <a:bodyPr/>
+          <a:lstStyle/>
+          <a:p>
+            <a:r>
+              <a:rPr lang="en-US" sz="900" b="1" dirty="0">
+                <a:effectLst>
+                  <a:outerShdw blurRad="50800" dist="38100" dir="2700000" algn="tl" rotWithShape="0">
+                    <a:prstClr val="black">
+                      <a:alpha val="40000"/>
+                    </a:prstClr>
+                  </a:outerShdw>
+                </a:effectLst>
+              </a:rPr>
+              <a:t>student enrollment database project </a:t>
+            </a:r>
+            <a:endParaRPr lang="en-US" dirty="0"/>
+          </a:p>
+        </p:txBody>
+      </p:sp>
+      <p:sp>
+        <p:nvSpPr>
+          <p:cNvPr id="6" name="Slide Number Placeholder 5">
+            <a:extLst>
+              <a:ext uri="{FF2B5EF4-FFF2-40B4-BE49-F238E27FC236}">
+                <a16:creationId xmlns:a16="http://schemas.microsoft.com/office/drawing/2014/main" id="{95A98FD5-AC9F-2C1B-DCBF-1C979F68B33C}"/>
+              </a:ext>
+            </a:extLst>
+          </p:cNvPr>
+          <p:cNvSpPr>
+            <a:spLocks noGrp="1"/>
+          </p:cNvSpPr>
+          <p:nvPr>
+            <p:ph type="sldNum" sz="quarter" idx="12"/>
+          </p:nvPr>
+        </p:nvSpPr>
+        <p:spPr/>
+        <p:txBody>
+          <a:bodyPr/>
+          <a:lstStyle/>
+          <a:p>
+            <a:fld id="{A49DFD55-3C28-40EF-9E31-A92D2E4017FF}" type="slidenum">
+              <a:rPr lang="en-US" smtClean="0"/>
+              <a:pPr/>
+              <a:t>9</a:t>
             </a:fld>
             <a:endParaRPr lang="en-US" dirty="0"/>
           </a:p>
@@ -13917,360 +14542,6 @@
     <p:extLst>
       <p:ext uri="{BB962C8B-B14F-4D97-AF65-F5344CB8AC3E}">
         <p14:creationId xmlns:p14="http://schemas.microsoft.com/office/powerpoint/2010/main" val="3377094690"/>
-      </p:ext>
-    </p:extLst>
-  </p:cSld>
-  <p:clrMapOvr>
-    <a:masterClrMapping/>
-  </p:clrMapOvr>
-</p:sld>
-</file>
-
-<file path=ppt/slides/slide9.xml><?xml version="1.0" encoding="utf-8"?>
-<p:sld xmlns:a="http://schemas.openxmlformats.org/drawingml/2006/main" xmlns:r="http://schemas.openxmlformats.org/officeDocument/2006/relationships" xmlns:p="http://schemas.openxmlformats.org/presentationml/2006/main">
-  <p:cSld>
-    <p:spTree>
-      <p:nvGrpSpPr>
-        <p:cNvPr id="1" name=""/>
-        <p:cNvGrpSpPr/>
-        <p:nvPr/>
-      </p:nvGrpSpPr>
-      <p:grpSpPr>
-        <a:xfrm>
-          <a:off x="0" y="0"/>
-          <a:ext cx="0" cy="0"/>
-          <a:chOff x="0" y="0"/>
-          <a:chExt cx="0" cy="0"/>
-        </a:xfrm>
-      </p:grpSpPr>
-      <p:sp>
-        <p:nvSpPr>
-          <p:cNvPr id="9" name="TextBox 8">
-            <a:extLst>
-              <a:ext uri="{FF2B5EF4-FFF2-40B4-BE49-F238E27FC236}">
-                <a16:creationId xmlns:a16="http://schemas.microsoft.com/office/drawing/2014/main" id="{229AF346-13DF-BCD6-E580-AD34FB1C8A5E}"/>
-              </a:ext>
-            </a:extLst>
-          </p:cNvPr>
-          <p:cNvSpPr txBox="1"/>
-          <p:nvPr/>
-        </p:nvSpPr>
-        <p:spPr>
-          <a:xfrm>
-            <a:off x="5873245" y="257376"/>
-            <a:ext cx="6097554" cy="707886"/>
-          </a:xfrm>
-          <a:prstGeom prst="rect">
-            <a:avLst/>
-          </a:prstGeom>
-          <a:noFill/>
-        </p:spPr>
-        <p:txBody>
-          <a:bodyPr wrap="square">
-            <a:spAutoFit/>
-          </a:bodyPr>
-          <a:lstStyle/>
-          <a:p>
-            <a:r>
-              <a:rPr lang="en-US" sz="4000" b="1" dirty="0">
-                <a:solidFill>
-                  <a:schemeClr val="bg1"/>
-                </a:solidFill>
-                <a:latin typeface="+mj-lt"/>
-              </a:rPr>
-              <a:t>Server Hosting</a:t>
-            </a:r>
-          </a:p>
-        </p:txBody>
-      </p:sp>
-      <p:grpSp>
-        <p:nvGrpSpPr>
-          <p:cNvPr id="7" name="Group 6">
-            <a:extLst>
-              <a:ext uri="{FF2B5EF4-FFF2-40B4-BE49-F238E27FC236}">
-                <a16:creationId xmlns:a16="http://schemas.microsoft.com/office/drawing/2014/main" id="{4CC4F60D-718D-EF5B-DAFC-58F8A6A7F517}"/>
-              </a:ext>
-            </a:extLst>
-          </p:cNvPr>
-          <p:cNvGrpSpPr/>
-          <p:nvPr/>
-        </p:nvGrpSpPr>
-        <p:grpSpPr>
-          <a:xfrm>
-            <a:off x="8496010" y="1121066"/>
-            <a:ext cx="3474789" cy="954107"/>
-            <a:chOff x="3893629" y="2853640"/>
-            <a:chExt cx="4404742" cy="1150720"/>
-          </a:xfrm>
-        </p:grpSpPr>
-        <p:pic>
-          <p:nvPicPr>
-            <p:cNvPr id="5" name="Picture 4">
-              <a:extLst>
-                <a:ext uri="{FF2B5EF4-FFF2-40B4-BE49-F238E27FC236}">
-                  <a16:creationId xmlns:a16="http://schemas.microsoft.com/office/drawing/2014/main" id="{82BAB87F-D110-0D51-EC07-0A3E71076A4C}"/>
-                </a:ext>
-              </a:extLst>
-            </p:cNvPr>
-            <p:cNvPicPr>
-              <a:picLocks noChangeAspect="1"/>
-            </p:cNvPicPr>
-            <p:nvPr/>
-          </p:nvPicPr>
-          <p:blipFill>
-            <a:blip r:embed="rId2"/>
-            <a:stretch>
-              <a:fillRect/>
-            </a:stretch>
-          </p:blipFill>
-          <p:spPr>
-            <a:xfrm>
-              <a:off x="3893629" y="2853640"/>
-              <a:ext cx="4404742" cy="1150720"/>
-            </a:xfrm>
-            <a:prstGeom prst="rect">
-              <a:avLst/>
-            </a:prstGeom>
-            <a:solidFill>
-              <a:srgbClr val="FFFFFF">
-                <a:shade val="85000"/>
-              </a:srgbClr>
-            </a:solidFill>
-            <a:ln w="190500" cap="rnd">
-              <a:solidFill>
-                <a:srgbClr val="FFFFFF"/>
-              </a:solidFill>
-            </a:ln>
-            <a:effectLst>
-              <a:outerShdw blurRad="50000" algn="tl" rotWithShape="0">
-                <a:srgbClr val="000000">
-                  <a:alpha val="41000"/>
-                </a:srgbClr>
-              </a:outerShdw>
-            </a:effectLst>
-            <a:scene3d>
-              <a:camera prst="orthographicFront"/>
-              <a:lightRig rig="twoPt" dir="t">
-                <a:rot lat="0" lon="0" rev="7800000"/>
-              </a:lightRig>
-            </a:scene3d>
-            <a:sp3d contourW="6350">
-              <a:bevelT w="50800" h="16510"/>
-              <a:contourClr>
-                <a:srgbClr val="C0C0C0"/>
-              </a:contourClr>
-            </a:sp3d>
-          </p:spPr>
-        </p:pic>
-        <p:sp>
-          <p:nvSpPr>
-            <p:cNvPr id="6" name="Rectangle 5">
-              <a:extLst>
-                <a:ext uri="{FF2B5EF4-FFF2-40B4-BE49-F238E27FC236}">
-                  <a16:creationId xmlns:a16="http://schemas.microsoft.com/office/drawing/2014/main" id="{CC122A22-3C18-A177-CF74-9968F6FBE75D}"/>
-                </a:ext>
-              </a:extLst>
-            </p:cNvPr>
-            <p:cNvSpPr/>
-            <p:nvPr/>
-          </p:nvSpPr>
-          <p:spPr>
-            <a:xfrm>
-              <a:off x="5243804" y="2901820"/>
-              <a:ext cx="3013788" cy="261258"/>
-            </a:xfrm>
-            <a:prstGeom prst="rect">
-              <a:avLst/>
-            </a:prstGeom>
-            <a:solidFill>
-              <a:schemeClr val="bg1"/>
-            </a:solidFill>
-            <a:ln>
-              <a:solidFill>
-                <a:schemeClr val="bg1"/>
-              </a:solidFill>
-            </a:ln>
-          </p:spPr>
-          <p:style>
-            <a:lnRef idx="2">
-              <a:schemeClr val="accent1">
-                <a:shade val="50000"/>
-              </a:schemeClr>
-            </a:lnRef>
-            <a:fillRef idx="1">
-              <a:schemeClr val="accent1"/>
-            </a:fillRef>
-            <a:effectRef idx="0">
-              <a:schemeClr val="accent1"/>
-            </a:effectRef>
-            <a:fontRef idx="minor">
-              <a:schemeClr val="lt1"/>
-            </a:fontRef>
-          </p:style>
-          <p:txBody>
-            <a:bodyPr rtlCol="0" anchor="ctr"/>
-            <a:lstStyle/>
-            <a:p>
-              <a:pPr algn="ctr"/>
-              <a:endParaRPr lang="en-US"/>
-            </a:p>
-          </p:txBody>
-        </p:sp>
-      </p:grpSp>
-      <p:sp>
-        <p:nvSpPr>
-          <p:cNvPr id="8" name="TextBox 7">
-            <a:extLst>
-              <a:ext uri="{FF2B5EF4-FFF2-40B4-BE49-F238E27FC236}">
-                <a16:creationId xmlns:a16="http://schemas.microsoft.com/office/drawing/2014/main" id="{1A585282-7ACF-79F3-9CE5-4DFB9C2DD12B}"/>
-              </a:ext>
-            </a:extLst>
-          </p:cNvPr>
-          <p:cNvSpPr txBox="1"/>
-          <p:nvPr/>
-        </p:nvSpPr>
-        <p:spPr>
-          <a:xfrm>
-            <a:off x="5873245" y="2228416"/>
-            <a:ext cx="6097554" cy="954107"/>
-          </a:xfrm>
-          <a:prstGeom prst="rect">
-            <a:avLst/>
-          </a:prstGeom>
-          <a:noFill/>
-        </p:spPr>
-        <p:txBody>
-          <a:bodyPr wrap="square">
-            <a:spAutoFit/>
-          </a:bodyPr>
-          <a:lstStyle/>
-          <a:p>
-            <a:r>
-              <a:rPr lang="en-US" sz="2800" b="1" dirty="0">
-                <a:solidFill>
-                  <a:schemeClr val="bg1"/>
-                </a:solidFill>
-                <a:latin typeface="+mj-lt"/>
-              </a:rPr>
-              <a:t>It’s a completely free website hosting supporting PHP and SQL with no ads.  </a:t>
-            </a:r>
-          </a:p>
-        </p:txBody>
-      </p:sp>
-      <p:sp>
-        <p:nvSpPr>
-          <p:cNvPr id="12" name="TextBox 11">
-            <a:extLst>
-              <a:ext uri="{FF2B5EF4-FFF2-40B4-BE49-F238E27FC236}">
-                <a16:creationId xmlns:a16="http://schemas.microsoft.com/office/drawing/2014/main" id="{3B6AC3AE-EDCB-9C2C-5248-D36CA061E1BB}"/>
-              </a:ext>
-            </a:extLst>
-          </p:cNvPr>
-          <p:cNvSpPr txBox="1"/>
-          <p:nvPr/>
-        </p:nvSpPr>
-        <p:spPr>
-          <a:xfrm>
-            <a:off x="5991808" y="3675477"/>
-            <a:ext cx="6200192" cy="2308324"/>
-          </a:xfrm>
-          <a:prstGeom prst="rect">
-            <a:avLst/>
-          </a:prstGeom>
-          <a:noFill/>
-        </p:spPr>
-        <p:txBody>
-          <a:bodyPr wrap="square">
-            <a:spAutoFit/>
-          </a:bodyPr>
-          <a:lstStyle/>
-          <a:p>
-            <a:pPr algn="l"/>
-            <a:r>
-              <a:rPr lang="en-US" sz="2400" b="0" i="0" dirty="0" err="1">
-                <a:solidFill>
-                  <a:schemeClr val="bg1"/>
-                </a:solidFill>
-                <a:effectLst/>
-              </a:rPr>
-              <a:t>InfinityFree</a:t>
-            </a:r>
-            <a:r>
-              <a:rPr lang="en-US" sz="2400" b="0" i="0" dirty="0">
-                <a:solidFill>
-                  <a:schemeClr val="bg1"/>
-                </a:solidFill>
-                <a:effectLst/>
-              </a:rPr>
-              <a:t> offers free hosting with the following features:</a:t>
-            </a:r>
-          </a:p>
-          <a:p>
-            <a:pPr algn="l">
-              <a:buFont typeface="Arial" panose="020B0604020202020204" pitchFamily="34" charset="0"/>
-              <a:buChar char="•"/>
-            </a:pPr>
-            <a:r>
-              <a:rPr lang="en-US" sz="2400" b="0" i="0" dirty="0">
-                <a:solidFill>
-                  <a:schemeClr val="bg1"/>
-                </a:solidFill>
-                <a:effectLst/>
-              </a:rPr>
-              <a:t>99.9% uptime</a:t>
-            </a:r>
-          </a:p>
-          <a:p>
-            <a:pPr algn="l">
-              <a:buFont typeface="Arial" panose="020B0604020202020204" pitchFamily="34" charset="0"/>
-              <a:buChar char="•"/>
-            </a:pPr>
-            <a:r>
-              <a:rPr lang="en-US" sz="2400" b="0" i="0" dirty="0">
-                <a:solidFill>
-                  <a:schemeClr val="bg1"/>
-                </a:solidFill>
-                <a:effectLst/>
-              </a:rPr>
-              <a:t>Free subdomain</a:t>
-            </a:r>
-          </a:p>
-          <a:p>
-            <a:pPr algn="l">
-              <a:buFont typeface="Arial" panose="020B0604020202020204" pitchFamily="34" charset="0"/>
-              <a:buChar char="•"/>
-            </a:pPr>
-            <a:r>
-              <a:rPr lang="en-US" sz="2400" b="0" i="0" dirty="0">
-                <a:solidFill>
-                  <a:schemeClr val="bg1"/>
-                </a:solidFill>
-                <a:effectLst/>
-              </a:rPr>
-              <a:t>Free SSL</a:t>
-            </a:r>
-          </a:p>
-          <a:p>
-            <a:pPr algn="l">
-              <a:buFont typeface="Arial" panose="020B0604020202020204" pitchFamily="34" charset="0"/>
-              <a:buChar char="•"/>
-            </a:pPr>
-            <a:r>
-              <a:rPr lang="en-US" sz="2400" b="0" i="0" dirty="0">
-                <a:solidFill>
-                  <a:schemeClr val="bg1"/>
-                </a:solidFill>
-                <a:effectLst/>
-              </a:rPr>
-              <a:t>Unlimited storage</a:t>
-            </a:r>
-          </a:p>
-        </p:txBody>
-      </p:sp>
-    </p:spTree>
-    <p:extLst>
-      <p:ext uri="{BB962C8B-B14F-4D97-AF65-F5344CB8AC3E}">
-        <p14:creationId xmlns:p14="http://schemas.microsoft.com/office/powerpoint/2010/main" val="379728094"/>
       </p:ext>
     </p:extLst>
   </p:cSld>
@@ -15072,6 +15343,15 @@
 </file>
 
 <file path=customXml/item1.xml><?xml version="1.0" encoding="utf-8"?>
+<?mso-contentType ?>
+<FormTemplates xmlns="http://schemas.microsoft.com/sharepoint/v3/contenttype/forms">
+  <Display>DocumentLibraryForm</Display>
+  <Edit>DocumentLibraryForm</Edit>
+  <New>DocumentLibraryForm</New>
+</FormTemplates>
+</file>
+
+<file path=customXml/item2.xml><?xml version="1.0" encoding="utf-8"?>
 <p:properties xmlns:p="http://schemas.microsoft.com/office/2006/metadata/properties" xmlns:xsi="http://www.w3.org/2001/XMLSchema-instance" xmlns:pc="http://schemas.microsoft.com/office/infopath/2007/PartnerControls">
   <documentManagement>
     <_ip_UnifiedCompliancePolicyUIAction xmlns="http://schemas.microsoft.com/sharepoint/v3" xsi:nil="true"/>
@@ -15088,15 +15368,6 @@
     <MediaServiceKeyPoints xmlns="71af3243-3dd4-4a8d-8c0d-dd76da1f02a5" xsi:nil="true"/>
   </documentManagement>
 </p:properties>
-</file>
-
-<file path=customXml/item2.xml><?xml version="1.0" encoding="utf-8"?>
-<?mso-contentType ?>
-<FormTemplates xmlns="http://schemas.microsoft.com/sharepoint/v3/contenttype/forms">
-  <Display>DocumentLibraryForm</Display>
-  <Edit>DocumentLibraryForm</Edit>
-  <New>DocumentLibraryForm</New>
-</FormTemplates>
 </file>
 
 <file path=customXml/item3.xml><?xml version="1.0" encoding="utf-8"?>
@@ -15376,6 +15647,14 @@
 </file>
 
 <file path=customXml/itemProps1.xml><?xml version="1.0" encoding="utf-8"?>
+<ds:datastoreItem xmlns:ds="http://schemas.openxmlformats.org/officeDocument/2006/customXml" ds:itemID="{0FD6FE22-81A0-4500-AFD0-342D21BB9A2C}">
+  <ds:schemaRefs>
+    <ds:schemaRef ds:uri="http://schemas.microsoft.com/sharepoint/v3/contenttype/forms"/>
+  </ds:schemaRefs>
+</ds:datastoreItem>
+</file>
+
+<file path=customXml/itemProps2.xml><?xml version="1.0" encoding="utf-8"?>
 <ds:datastoreItem xmlns:ds="http://schemas.openxmlformats.org/officeDocument/2006/customXml" ds:itemID="{29C43685-694E-4579-B109-3C418D49DA65}">
   <ds:schemaRefs>
     <ds:schemaRef ds:uri="http://schemas.microsoft.com/office/2006/metadata/properties"/>
@@ -15383,14 +15662,6 @@
     <ds:schemaRef ds:uri="http://schemas.microsoft.com/sharepoint/v3"/>
     <ds:schemaRef ds:uri="71af3243-3dd4-4a8d-8c0d-dd76da1f02a5"/>
     <ds:schemaRef ds:uri="230e9df3-be65-4c73-a93b-d1236ebd677e"/>
-  </ds:schemaRefs>
-</ds:datastoreItem>
-</file>
-
-<file path=customXml/itemProps2.xml><?xml version="1.0" encoding="utf-8"?>
-<ds:datastoreItem xmlns:ds="http://schemas.openxmlformats.org/officeDocument/2006/customXml" ds:itemID="{0FD6FE22-81A0-4500-AFD0-342D21BB9A2C}">
-  <ds:schemaRefs>
-    <ds:schemaRef ds:uri="http://schemas.microsoft.com/sharepoint/v3/contenttype/forms"/>
   </ds:schemaRefs>
 </ds:datastoreItem>
 </file>
